--- a/images/Presentation1.pptx
+++ b/images/Presentation1.pptx
@@ -4865,52 +4865,6 @@
       </p:sp>
       <p:sp>
         <p:nvSpPr>
-          <p:cNvPr id="10" name="Rounded Rectangle 9">
-            <a:extLst>
-              <a:ext uri="{FF2B5EF4-FFF2-40B4-BE49-F238E27FC236}">
-                <a16:creationId xmlns:a16="http://schemas.microsoft.com/office/drawing/2014/main" id="{97D6C0FC-DFF3-E6B2-B597-C4599A26D9F9}"/>
-              </a:ext>
-            </a:extLst>
-          </p:cNvPr>
-          <p:cNvSpPr/>
-          <p:nvPr/>
-        </p:nvSpPr>
-        <p:spPr>
-          <a:xfrm>
-            <a:off x="6071013" y="120755"/>
-            <a:ext cx="2372139" cy="3233531"/>
-          </a:xfrm>
-          <a:prstGeom prst="roundRect">
-            <a:avLst/>
-          </a:prstGeom>
-        </p:spPr>
-        <p:style>
-          <a:lnRef idx="2">
-            <a:schemeClr val="accent1">
-              <a:shade val="15000"/>
-            </a:schemeClr>
-          </a:lnRef>
-          <a:fillRef idx="1">
-            <a:schemeClr val="accent1"/>
-          </a:fillRef>
-          <a:effectRef idx="0">
-            <a:schemeClr val="accent1"/>
-          </a:effectRef>
-          <a:fontRef idx="minor">
-            <a:schemeClr val="lt1"/>
-          </a:fontRef>
-        </p:style>
-        <p:txBody>
-          <a:bodyPr rtlCol="0" anchor="ctr"/>
-          <a:lstStyle/>
-          <a:p>
-            <a:pPr algn="ctr"/>
-            <a:endParaRPr lang="en-US"/>
-          </a:p>
-        </p:txBody>
-      </p:sp>
-      <p:sp>
-        <p:nvSpPr>
           <p:cNvPr id="12" name="Rounded Rectangle 11">
             <a:extLst>
               <a:ext uri="{FF2B5EF4-FFF2-40B4-BE49-F238E27FC236}">
@@ -4923,63 +4877,7 @@
         </p:nvSpPr>
         <p:spPr>
           <a:xfrm>
-            <a:off x="208416" y="114486"/>
-            <a:ext cx="2372139" cy="3233531"/>
-          </a:xfrm>
-          <a:prstGeom prst="roundRect">
-            <a:avLst/>
-          </a:prstGeom>
-          <a:solidFill>
-            <a:schemeClr val="accent1">
-              <a:alpha val="0"/>
-            </a:schemeClr>
-          </a:solidFill>
-          <a:ln w="50800">
-            <a:solidFill>
-              <a:schemeClr val="tx1"/>
-            </a:solidFill>
-          </a:ln>
-        </p:spPr>
-        <p:style>
-          <a:lnRef idx="2">
-            <a:schemeClr val="accent1">
-              <a:shade val="15000"/>
-            </a:schemeClr>
-          </a:lnRef>
-          <a:fillRef idx="1">
-            <a:schemeClr val="accent1"/>
-          </a:fillRef>
-          <a:effectRef idx="0">
-            <a:schemeClr val="accent1"/>
-          </a:effectRef>
-          <a:fontRef idx="minor">
-            <a:schemeClr val="lt1"/>
-          </a:fontRef>
-        </p:style>
-        <p:txBody>
-          <a:bodyPr rtlCol="0" anchor="ctr"/>
-          <a:lstStyle/>
-          <a:p>
-            <a:pPr algn="ctr"/>
-            <a:endParaRPr lang="en-US"/>
-          </a:p>
-        </p:txBody>
-      </p:sp>
-      <p:sp>
-        <p:nvSpPr>
-          <p:cNvPr id="14" name="Rounded Rectangle 13">
-            <a:extLst>
-              <a:ext uri="{FF2B5EF4-FFF2-40B4-BE49-F238E27FC236}">
-                <a16:creationId xmlns:a16="http://schemas.microsoft.com/office/drawing/2014/main" id="{EAB238A7-CFF7-05FC-B03B-DB69204D9061}"/>
-              </a:ext>
-            </a:extLst>
-          </p:cNvPr>
-          <p:cNvSpPr/>
-          <p:nvPr/>
-        </p:nvSpPr>
-        <p:spPr>
-          <a:xfrm>
-            <a:off x="6071013" y="-3436070"/>
+            <a:off x="216580" y="114486"/>
             <a:ext cx="2372139" cy="3233531"/>
           </a:xfrm>
           <a:prstGeom prst="roundRect">
@@ -8335,52 +8233,6 @@
       </p:sp>
       <p:sp>
         <p:nvSpPr>
-          <p:cNvPr id="10" name="Rounded Rectangle 9">
-            <a:extLst>
-              <a:ext uri="{FF2B5EF4-FFF2-40B4-BE49-F238E27FC236}">
-                <a16:creationId xmlns:a16="http://schemas.microsoft.com/office/drawing/2014/main" id="{8B5AFF6A-7C72-87A5-A7CF-5C3853D4D3DF}"/>
-              </a:ext>
-            </a:extLst>
-          </p:cNvPr>
-          <p:cNvSpPr/>
-          <p:nvPr/>
-        </p:nvSpPr>
-        <p:spPr>
-          <a:xfrm>
-            <a:off x="6071013" y="120755"/>
-            <a:ext cx="2372139" cy="3233531"/>
-          </a:xfrm>
-          <a:prstGeom prst="roundRect">
-            <a:avLst/>
-          </a:prstGeom>
-        </p:spPr>
-        <p:style>
-          <a:lnRef idx="2">
-            <a:schemeClr val="accent1">
-              <a:shade val="15000"/>
-            </a:schemeClr>
-          </a:lnRef>
-          <a:fillRef idx="1">
-            <a:schemeClr val="accent1"/>
-          </a:fillRef>
-          <a:effectRef idx="0">
-            <a:schemeClr val="accent1"/>
-          </a:effectRef>
-          <a:fontRef idx="minor">
-            <a:schemeClr val="lt1"/>
-          </a:fontRef>
-        </p:style>
-        <p:txBody>
-          <a:bodyPr rtlCol="0" anchor="ctr"/>
-          <a:lstStyle/>
-          <a:p>
-            <a:pPr algn="ctr"/>
-            <a:endParaRPr lang="en-US"/>
-          </a:p>
-        </p:txBody>
-      </p:sp>
-      <p:sp>
-        <p:nvSpPr>
           <p:cNvPr id="12" name="Rounded Rectangle 11">
             <a:extLst>
               <a:ext uri="{FF2B5EF4-FFF2-40B4-BE49-F238E27FC236}">
@@ -8394,62 +8246,6 @@
         <p:spPr>
           <a:xfrm>
             <a:off x="208416" y="114486"/>
-            <a:ext cx="2372139" cy="3233531"/>
-          </a:xfrm>
-          <a:prstGeom prst="roundRect">
-            <a:avLst/>
-          </a:prstGeom>
-          <a:solidFill>
-            <a:schemeClr val="accent1">
-              <a:alpha val="0"/>
-            </a:schemeClr>
-          </a:solidFill>
-          <a:ln w="50800">
-            <a:solidFill>
-              <a:schemeClr val="tx1"/>
-            </a:solidFill>
-          </a:ln>
-        </p:spPr>
-        <p:style>
-          <a:lnRef idx="2">
-            <a:schemeClr val="accent1">
-              <a:shade val="15000"/>
-            </a:schemeClr>
-          </a:lnRef>
-          <a:fillRef idx="1">
-            <a:schemeClr val="accent1"/>
-          </a:fillRef>
-          <a:effectRef idx="0">
-            <a:schemeClr val="accent1"/>
-          </a:effectRef>
-          <a:fontRef idx="minor">
-            <a:schemeClr val="lt1"/>
-          </a:fontRef>
-        </p:style>
-        <p:txBody>
-          <a:bodyPr rtlCol="0" anchor="ctr"/>
-          <a:lstStyle/>
-          <a:p>
-            <a:pPr algn="ctr"/>
-            <a:endParaRPr lang="en-US"/>
-          </a:p>
-        </p:txBody>
-      </p:sp>
-      <p:sp>
-        <p:nvSpPr>
-          <p:cNvPr id="14" name="Rounded Rectangle 13">
-            <a:extLst>
-              <a:ext uri="{FF2B5EF4-FFF2-40B4-BE49-F238E27FC236}">
-                <a16:creationId xmlns:a16="http://schemas.microsoft.com/office/drawing/2014/main" id="{1B4E6BF2-CB57-C205-8EE9-71B8A3733091}"/>
-              </a:ext>
-            </a:extLst>
-          </p:cNvPr>
-          <p:cNvSpPr/>
-          <p:nvPr/>
-        </p:nvSpPr>
-        <p:spPr>
-          <a:xfrm>
-            <a:off x="6071013" y="-3436070"/>
             <a:ext cx="2372139" cy="3233531"/>
           </a:xfrm>
           <a:prstGeom prst="roundRect">

--- a/images/Presentation1.pptx
+++ b/images/Presentation1.pptx
@@ -5,7 +5,7 @@
     <p:sldMasterId id="2147483708" r:id="rId1"/>
   </p:sldMasterIdLst>
   <p:notesMasterIdLst>
-    <p:notesMasterId r:id="rId14"/>
+    <p:notesMasterId r:id="rId16"/>
   </p:notesMasterIdLst>
   <p:sldIdLst>
     <p:sldId id="256" r:id="rId2"/>
@@ -15,11 +15,13 @@
     <p:sldId id="259" r:id="rId6"/>
     <p:sldId id="261" r:id="rId7"/>
     <p:sldId id="262" r:id="rId8"/>
-    <p:sldId id="263" r:id="rId9"/>
-    <p:sldId id="264" r:id="rId10"/>
-    <p:sldId id="265" r:id="rId11"/>
-    <p:sldId id="266" r:id="rId12"/>
-    <p:sldId id="267" r:id="rId13"/>
+    <p:sldId id="269" r:id="rId9"/>
+    <p:sldId id="263" r:id="rId10"/>
+    <p:sldId id="264" r:id="rId11"/>
+    <p:sldId id="265" r:id="rId12"/>
+    <p:sldId id="266" r:id="rId13"/>
+    <p:sldId id="268" r:id="rId14"/>
+    <p:sldId id="267" r:id="rId15"/>
   </p:sldIdLst>
   <p:sldSz cx="5486400" cy="3475038"/>
   <p:notesSz cx="6858000" cy="9144000"/>
@@ -118,6 +120,11 @@
       </a:defRPr>
     </a:lvl9pPr>
   </p:defaultTextStyle>
+  <p:extLst>
+    <p:ext uri="{EFAFB233-063F-42B5-8137-9DF3F51BA10A}">
+      <p15:sldGuideLst xmlns:p15="http://schemas.microsoft.com/office/powerpoint/2012/main"/>
+    </p:ext>
+  </p:extLst>
 </p:presentation>
 </file>
 
@@ -203,7 +210,7 @@
           <a:p>
             <a:fld id="{7ADDD787-14F7-134A-8703-5C7929AF9B60}" type="datetimeFigureOut">
               <a:rPr lang="en-US" smtClean="0"/>
-              <a:t>2/2/25</a:t>
+              <a:t>6/8/25</a:t>
             </a:fld>
             <a:endParaRPr lang="en-US"/>
           </a:p>
@@ -567,6 +574,232 @@
         <p:cNvPr id="1" name="">
           <a:extLst>
             <a:ext uri="{FF2B5EF4-FFF2-40B4-BE49-F238E27FC236}">
+              <a16:creationId xmlns:a16="http://schemas.microsoft.com/office/drawing/2014/main" id="{1B1244BE-8C8B-D71D-234E-A403A86FB2F5}"/>
+            </a:ext>
+          </a:extLst>
+        </p:cNvPr>
+        <p:cNvGrpSpPr/>
+        <p:nvPr/>
+      </p:nvGrpSpPr>
+      <p:grpSpPr>
+        <a:xfrm>
+          <a:off x="0" y="0"/>
+          <a:ext cx="0" cy="0"/>
+          <a:chOff x="0" y="0"/>
+          <a:chExt cx="0" cy="0"/>
+        </a:xfrm>
+      </p:grpSpPr>
+      <p:sp>
+        <p:nvSpPr>
+          <p:cNvPr id="2" name="Slide Image Placeholder 1">
+            <a:extLst>
+              <a:ext uri="{FF2B5EF4-FFF2-40B4-BE49-F238E27FC236}">
+                <a16:creationId xmlns:a16="http://schemas.microsoft.com/office/drawing/2014/main" id="{49766201-FB3C-A0B4-700B-13BB29B9D885}"/>
+              </a:ext>
+            </a:extLst>
+          </p:cNvPr>
+          <p:cNvSpPr>
+            <a:spLocks noGrp="1" noRot="1" noChangeAspect="1"/>
+          </p:cNvSpPr>
+          <p:nvPr>
+            <p:ph type="sldImg"/>
+          </p:nvPr>
+        </p:nvSpPr>
+        <p:spPr>
+          <a:xfrm>
+            <a:off x="993775" y="1143000"/>
+            <a:ext cx="4870450" cy="3086100"/>
+          </a:xfrm>
+        </p:spPr>
+      </p:sp>
+      <p:sp>
+        <p:nvSpPr>
+          <p:cNvPr id="3" name="Notes Placeholder 2">
+            <a:extLst>
+              <a:ext uri="{FF2B5EF4-FFF2-40B4-BE49-F238E27FC236}">
+                <a16:creationId xmlns:a16="http://schemas.microsoft.com/office/drawing/2014/main" id="{A79A49F1-8DC0-E09D-0BC5-9CBAE6795485}"/>
+              </a:ext>
+            </a:extLst>
+          </p:cNvPr>
+          <p:cNvSpPr>
+            <a:spLocks noGrp="1"/>
+          </p:cNvSpPr>
+          <p:nvPr>
+            <p:ph type="body" idx="1"/>
+          </p:nvPr>
+        </p:nvSpPr>
+        <p:spPr/>
+        <p:txBody>
+          <a:bodyPr/>
+          <a:lstStyle/>
+          <a:p>
+            <a:endParaRPr lang="en-US" dirty="0"/>
+          </a:p>
+        </p:txBody>
+      </p:sp>
+      <p:sp>
+        <p:nvSpPr>
+          <p:cNvPr id="4" name="Slide Number Placeholder 3">
+            <a:extLst>
+              <a:ext uri="{FF2B5EF4-FFF2-40B4-BE49-F238E27FC236}">
+                <a16:creationId xmlns:a16="http://schemas.microsoft.com/office/drawing/2014/main" id="{A96EBC61-4289-4002-DD2E-F4F5324E6C12}"/>
+              </a:ext>
+            </a:extLst>
+          </p:cNvPr>
+          <p:cNvSpPr>
+            <a:spLocks noGrp="1"/>
+          </p:cNvSpPr>
+          <p:nvPr>
+            <p:ph type="sldNum" sz="quarter" idx="5"/>
+          </p:nvPr>
+        </p:nvSpPr>
+        <p:spPr/>
+        <p:txBody>
+          <a:bodyPr/>
+          <a:lstStyle/>
+          <a:p>
+            <a:fld id="{33BB6A29-BB64-4F42-B3C6-E3E76EA257EE}" type="slidenum">
+              <a:rPr lang="en-US" smtClean="0"/>
+              <a:t>12</a:t>
+            </a:fld>
+            <a:endParaRPr lang="en-US"/>
+          </a:p>
+        </p:txBody>
+      </p:sp>
+    </p:spTree>
+    <p:extLst>
+      <p:ext uri="{BB962C8B-B14F-4D97-AF65-F5344CB8AC3E}">
+        <p14:creationId xmlns:p14="http://schemas.microsoft.com/office/powerpoint/2010/main" val="2169931744"/>
+      </p:ext>
+    </p:extLst>
+  </p:cSld>
+  <p:clrMapOvr>
+    <a:masterClrMapping/>
+  </p:clrMapOvr>
+</p:notes>
+</file>
+
+<file path=ppt/notesSlides/notesSlide11.xml><?xml version="1.0" encoding="utf-8"?>
+<p:notes xmlns:a="http://schemas.openxmlformats.org/drawingml/2006/main" xmlns:r="http://schemas.openxmlformats.org/officeDocument/2006/relationships" xmlns:p="http://schemas.openxmlformats.org/presentationml/2006/main">
+  <p:cSld>
+    <p:spTree>
+      <p:nvGrpSpPr>
+        <p:cNvPr id="1" name="">
+          <a:extLst>
+            <a:ext uri="{FF2B5EF4-FFF2-40B4-BE49-F238E27FC236}">
+              <a16:creationId xmlns:a16="http://schemas.microsoft.com/office/drawing/2014/main" id="{7FF8054C-5E2F-2349-17C7-6C2591AAECAB}"/>
+            </a:ext>
+          </a:extLst>
+        </p:cNvPr>
+        <p:cNvGrpSpPr/>
+        <p:nvPr/>
+      </p:nvGrpSpPr>
+      <p:grpSpPr>
+        <a:xfrm>
+          <a:off x="0" y="0"/>
+          <a:ext cx="0" cy="0"/>
+          <a:chOff x="0" y="0"/>
+          <a:chExt cx="0" cy="0"/>
+        </a:xfrm>
+      </p:grpSpPr>
+      <p:sp>
+        <p:nvSpPr>
+          <p:cNvPr id="2" name="Slide Image Placeholder 1">
+            <a:extLst>
+              <a:ext uri="{FF2B5EF4-FFF2-40B4-BE49-F238E27FC236}">
+                <a16:creationId xmlns:a16="http://schemas.microsoft.com/office/drawing/2014/main" id="{314DC194-F169-4B0A-D0FC-66AEB2971476}"/>
+              </a:ext>
+            </a:extLst>
+          </p:cNvPr>
+          <p:cNvSpPr>
+            <a:spLocks noGrp="1" noRot="1" noChangeAspect="1"/>
+          </p:cNvSpPr>
+          <p:nvPr>
+            <p:ph type="sldImg"/>
+          </p:nvPr>
+        </p:nvSpPr>
+        <p:spPr>
+          <a:xfrm>
+            <a:off x="993775" y="1143000"/>
+            <a:ext cx="4870450" cy="3086100"/>
+          </a:xfrm>
+        </p:spPr>
+      </p:sp>
+      <p:sp>
+        <p:nvSpPr>
+          <p:cNvPr id="3" name="Notes Placeholder 2">
+            <a:extLst>
+              <a:ext uri="{FF2B5EF4-FFF2-40B4-BE49-F238E27FC236}">
+                <a16:creationId xmlns:a16="http://schemas.microsoft.com/office/drawing/2014/main" id="{C7F26BDE-DC62-C6E2-6CA9-8725399267A0}"/>
+              </a:ext>
+            </a:extLst>
+          </p:cNvPr>
+          <p:cNvSpPr>
+            <a:spLocks noGrp="1"/>
+          </p:cNvSpPr>
+          <p:nvPr>
+            <p:ph type="body" idx="1"/>
+          </p:nvPr>
+        </p:nvSpPr>
+        <p:spPr/>
+        <p:txBody>
+          <a:bodyPr/>
+          <a:lstStyle/>
+          <a:p>
+            <a:endParaRPr lang="en-US" dirty="0"/>
+          </a:p>
+        </p:txBody>
+      </p:sp>
+      <p:sp>
+        <p:nvSpPr>
+          <p:cNvPr id="4" name="Slide Number Placeholder 3">
+            <a:extLst>
+              <a:ext uri="{FF2B5EF4-FFF2-40B4-BE49-F238E27FC236}">
+                <a16:creationId xmlns:a16="http://schemas.microsoft.com/office/drawing/2014/main" id="{0291447C-A7A2-D28A-816A-118AACFF8F2C}"/>
+              </a:ext>
+            </a:extLst>
+          </p:cNvPr>
+          <p:cNvSpPr>
+            <a:spLocks noGrp="1"/>
+          </p:cNvSpPr>
+          <p:nvPr>
+            <p:ph type="sldNum" sz="quarter" idx="5"/>
+          </p:nvPr>
+        </p:nvSpPr>
+        <p:spPr/>
+        <p:txBody>
+          <a:bodyPr/>
+          <a:lstStyle/>
+          <a:p>
+            <a:fld id="{33BB6A29-BB64-4F42-B3C6-E3E76EA257EE}" type="slidenum">
+              <a:rPr lang="en-US" smtClean="0"/>
+              <a:t>13</a:t>
+            </a:fld>
+            <a:endParaRPr lang="en-US"/>
+          </a:p>
+        </p:txBody>
+      </p:sp>
+    </p:spTree>
+    <p:extLst>
+      <p:ext uri="{BB962C8B-B14F-4D97-AF65-F5344CB8AC3E}">
+        <p14:creationId xmlns:p14="http://schemas.microsoft.com/office/powerpoint/2010/main" val="959313962"/>
+      </p:ext>
+    </p:extLst>
+  </p:cSld>
+  <p:clrMapOvr>
+    <a:masterClrMapping/>
+  </p:clrMapOvr>
+</p:notes>
+</file>
+
+<file path=ppt/notesSlides/notesSlide12.xml><?xml version="1.0" encoding="utf-8"?>
+<p:notes xmlns:a="http://schemas.openxmlformats.org/drawingml/2006/main" xmlns:r="http://schemas.openxmlformats.org/officeDocument/2006/relationships" xmlns:p="http://schemas.openxmlformats.org/presentationml/2006/main">
+  <p:cSld>
+    <p:spTree>
+      <p:nvGrpSpPr>
+        <p:cNvPr id="1" name="">
+          <a:extLst>
+            <a:ext uri="{FF2B5EF4-FFF2-40B4-BE49-F238E27FC236}">
               <a16:creationId xmlns:a16="http://schemas.microsoft.com/office/drawing/2014/main" id="{E0C27222-E9D6-F1DF-FAFF-A97FC7F445FE}"/>
             </a:ext>
           </a:extLst>
@@ -653,7 +886,7 @@
           <a:p>
             <a:fld id="{33BB6A29-BB64-4F42-B3C6-E3E76EA257EE}" type="slidenum">
               <a:rPr lang="en-US" smtClean="0"/>
-              <a:t>12</a:t>
+              <a:t>14</a:t>
             </a:fld>
             <a:endParaRPr lang="en-US"/>
           </a:p>
@@ -1132,6 +1365,119 @@
         <p:cNvPr id="1" name="">
           <a:extLst>
             <a:ext uri="{FF2B5EF4-FFF2-40B4-BE49-F238E27FC236}">
+              <a16:creationId xmlns:a16="http://schemas.microsoft.com/office/drawing/2014/main" id="{9DAA32F9-C57A-1671-AC23-B303F265ADB6}"/>
+            </a:ext>
+          </a:extLst>
+        </p:cNvPr>
+        <p:cNvGrpSpPr/>
+        <p:nvPr/>
+      </p:nvGrpSpPr>
+      <p:grpSpPr>
+        <a:xfrm>
+          <a:off x="0" y="0"/>
+          <a:ext cx="0" cy="0"/>
+          <a:chOff x="0" y="0"/>
+          <a:chExt cx="0" cy="0"/>
+        </a:xfrm>
+      </p:grpSpPr>
+      <p:sp>
+        <p:nvSpPr>
+          <p:cNvPr id="2" name="Slide Image Placeholder 1">
+            <a:extLst>
+              <a:ext uri="{FF2B5EF4-FFF2-40B4-BE49-F238E27FC236}">
+                <a16:creationId xmlns:a16="http://schemas.microsoft.com/office/drawing/2014/main" id="{ECF70D04-094A-E961-4185-A5D85A1919BF}"/>
+              </a:ext>
+            </a:extLst>
+          </p:cNvPr>
+          <p:cNvSpPr>
+            <a:spLocks noGrp="1" noRot="1" noChangeAspect="1"/>
+          </p:cNvSpPr>
+          <p:nvPr>
+            <p:ph type="sldImg"/>
+          </p:nvPr>
+        </p:nvSpPr>
+        <p:spPr>
+          <a:xfrm>
+            <a:off x="993775" y="1143000"/>
+            <a:ext cx="4870450" cy="3086100"/>
+          </a:xfrm>
+        </p:spPr>
+      </p:sp>
+      <p:sp>
+        <p:nvSpPr>
+          <p:cNvPr id="3" name="Notes Placeholder 2">
+            <a:extLst>
+              <a:ext uri="{FF2B5EF4-FFF2-40B4-BE49-F238E27FC236}">
+                <a16:creationId xmlns:a16="http://schemas.microsoft.com/office/drawing/2014/main" id="{91EEA967-1CBB-8715-4495-AE0C9132EDBB}"/>
+              </a:ext>
+            </a:extLst>
+          </p:cNvPr>
+          <p:cNvSpPr>
+            <a:spLocks noGrp="1"/>
+          </p:cNvSpPr>
+          <p:nvPr>
+            <p:ph type="body" idx="1"/>
+          </p:nvPr>
+        </p:nvSpPr>
+        <p:spPr/>
+        <p:txBody>
+          <a:bodyPr/>
+          <a:lstStyle/>
+          <a:p>
+            <a:endParaRPr lang="en-US" dirty="0"/>
+          </a:p>
+        </p:txBody>
+      </p:sp>
+      <p:sp>
+        <p:nvSpPr>
+          <p:cNvPr id="4" name="Slide Number Placeholder 3">
+            <a:extLst>
+              <a:ext uri="{FF2B5EF4-FFF2-40B4-BE49-F238E27FC236}">
+                <a16:creationId xmlns:a16="http://schemas.microsoft.com/office/drawing/2014/main" id="{08404B57-A8AC-B918-2469-3575C94277BD}"/>
+              </a:ext>
+            </a:extLst>
+          </p:cNvPr>
+          <p:cNvSpPr>
+            <a:spLocks noGrp="1"/>
+          </p:cNvSpPr>
+          <p:nvPr>
+            <p:ph type="sldNum" sz="quarter" idx="5"/>
+          </p:nvPr>
+        </p:nvSpPr>
+        <p:spPr/>
+        <p:txBody>
+          <a:bodyPr/>
+          <a:lstStyle/>
+          <a:p>
+            <a:fld id="{33BB6A29-BB64-4F42-B3C6-E3E76EA257EE}" type="slidenum">
+              <a:rPr lang="en-US" smtClean="0"/>
+              <a:t>8</a:t>
+            </a:fld>
+            <a:endParaRPr lang="en-US"/>
+          </a:p>
+        </p:txBody>
+      </p:sp>
+    </p:spTree>
+    <p:extLst>
+      <p:ext uri="{BB962C8B-B14F-4D97-AF65-F5344CB8AC3E}">
+        <p14:creationId xmlns:p14="http://schemas.microsoft.com/office/powerpoint/2010/main" val="3743281483"/>
+      </p:ext>
+    </p:extLst>
+  </p:cSld>
+  <p:clrMapOvr>
+    <a:masterClrMapping/>
+  </p:clrMapOvr>
+</p:notes>
+</file>
+
+<file path=ppt/notesSlides/notesSlide7.xml><?xml version="1.0" encoding="utf-8"?>
+<p:notes xmlns:a="http://schemas.openxmlformats.org/drawingml/2006/main" xmlns:r="http://schemas.openxmlformats.org/officeDocument/2006/relationships" xmlns:p="http://schemas.openxmlformats.org/presentationml/2006/main">
+  <p:cSld>
+    <p:spTree>
+      <p:nvGrpSpPr>
+        <p:cNvPr id="1" name="">
+          <a:extLst>
+            <a:ext uri="{FF2B5EF4-FFF2-40B4-BE49-F238E27FC236}">
               <a16:creationId xmlns:a16="http://schemas.microsoft.com/office/drawing/2014/main" id="{AF08CCF5-C61E-5935-6BD6-D11EB8613A79}"/>
             </a:ext>
           </a:extLst>
@@ -1218,7 +1564,7 @@
           <a:p>
             <a:fld id="{33BB6A29-BB64-4F42-B3C6-E3E76EA257EE}" type="slidenum">
               <a:rPr lang="en-US" smtClean="0"/>
-              <a:t>8</a:t>
+              <a:t>9</a:t>
             </a:fld>
             <a:endParaRPr lang="en-US"/>
           </a:p>
@@ -1237,7 +1583,7 @@
 </p:notes>
 </file>
 
-<file path=ppt/notesSlides/notesSlide7.xml><?xml version="1.0" encoding="utf-8"?>
+<file path=ppt/notesSlides/notesSlide8.xml><?xml version="1.0" encoding="utf-8"?>
 <p:notes xmlns:a="http://schemas.openxmlformats.org/drawingml/2006/main" xmlns:r="http://schemas.openxmlformats.org/officeDocument/2006/relationships" xmlns:p="http://schemas.openxmlformats.org/presentationml/2006/main">
   <p:cSld>
     <p:spTree>
@@ -1331,7 +1677,7 @@
           <a:p>
             <a:fld id="{33BB6A29-BB64-4F42-B3C6-E3E76EA257EE}" type="slidenum">
               <a:rPr lang="en-US" smtClean="0"/>
-              <a:t>9</a:t>
+              <a:t>10</a:t>
             </a:fld>
             <a:endParaRPr lang="en-US"/>
           </a:p>
@@ -1350,7 +1696,7 @@
 </p:notes>
 </file>
 
-<file path=ppt/notesSlides/notesSlide8.xml><?xml version="1.0" encoding="utf-8"?>
+<file path=ppt/notesSlides/notesSlide9.xml><?xml version="1.0" encoding="utf-8"?>
 <p:notes xmlns:a="http://schemas.openxmlformats.org/drawingml/2006/main" xmlns:r="http://schemas.openxmlformats.org/officeDocument/2006/relationships" xmlns:p="http://schemas.openxmlformats.org/presentationml/2006/main">
   <p:cSld>
     <p:spTree>
@@ -1444,7 +1790,7 @@
           <a:p>
             <a:fld id="{33BB6A29-BB64-4F42-B3C6-E3E76EA257EE}" type="slidenum">
               <a:rPr lang="en-US" smtClean="0"/>
-              <a:t>10</a:t>
+              <a:t>11</a:t>
             </a:fld>
             <a:endParaRPr lang="en-US"/>
           </a:p>
@@ -1454,119 +1800,6 @@
     <p:extLst>
       <p:ext uri="{BB962C8B-B14F-4D97-AF65-F5344CB8AC3E}">
         <p14:creationId xmlns:p14="http://schemas.microsoft.com/office/powerpoint/2010/main" val="4031659490"/>
-      </p:ext>
-    </p:extLst>
-  </p:cSld>
-  <p:clrMapOvr>
-    <a:masterClrMapping/>
-  </p:clrMapOvr>
-</p:notes>
-</file>
-
-<file path=ppt/notesSlides/notesSlide9.xml><?xml version="1.0" encoding="utf-8"?>
-<p:notes xmlns:a="http://schemas.openxmlformats.org/drawingml/2006/main" xmlns:r="http://schemas.openxmlformats.org/officeDocument/2006/relationships" xmlns:p="http://schemas.openxmlformats.org/presentationml/2006/main">
-  <p:cSld>
-    <p:spTree>
-      <p:nvGrpSpPr>
-        <p:cNvPr id="1" name="">
-          <a:extLst>
-            <a:ext uri="{FF2B5EF4-FFF2-40B4-BE49-F238E27FC236}">
-              <a16:creationId xmlns:a16="http://schemas.microsoft.com/office/drawing/2014/main" id="{1B1244BE-8C8B-D71D-234E-A403A86FB2F5}"/>
-            </a:ext>
-          </a:extLst>
-        </p:cNvPr>
-        <p:cNvGrpSpPr/>
-        <p:nvPr/>
-      </p:nvGrpSpPr>
-      <p:grpSpPr>
-        <a:xfrm>
-          <a:off x="0" y="0"/>
-          <a:ext cx="0" cy="0"/>
-          <a:chOff x="0" y="0"/>
-          <a:chExt cx="0" cy="0"/>
-        </a:xfrm>
-      </p:grpSpPr>
-      <p:sp>
-        <p:nvSpPr>
-          <p:cNvPr id="2" name="Slide Image Placeholder 1">
-            <a:extLst>
-              <a:ext uri="{FF2B5EF4-FFF2-40B4-BE49-F238E27FC236}">
-                <a16:creationId xmlns:a16="http://schemas.microsoft.com/office/drawing/2014/main" id="{49766201-FB3C-A0B4-700B-13BB29B9D885}"/>
-              </a:ext>
-            </a:extLst>
-          </p:cNvPr>
-          <p:cNvSpPr>
-            <a:spLocks noGrp="1" noRot="1" noChangeAspect="1"/>
-          </p:cNvSpPr>
-          <p:nvPr>
-            <p:ph type="sldImg"/>
-          </p:nvPr>
-        </p:nvSpPr>
-        <p:spPr>
-          <a:xfrm>
-            <a:off x="993775" y="1143000"/>
-            <a:ext cx="4870450" cy="3086100"/>
-          </a:xfrm>
-        </p:spPr>
-      </p:sp>
-      <p:sp>
-        <p:nvSpPr>
-          <p:cNvPr id="3" name="Notes Placeholder 2">
-            <a:extLst>
-              <a:ext uri="{FF2B5EF4-FFF2-40B4-BE49-F238E27FC236}">
-                <a16:creationId xmlns:a16="http://schemas.microsoft.com/office/drawing/2014/main" id="{A79A49F1-8DC0-E09D-0BC5-9CBAE6795485}"/>
-              </a:ext>
-            </a:extLst>
-          </p:cNvPr>
-          <p:cNvSpPr>
-            <a:spLocks noGrp="1"/>
-          </p:cNvSpPr>
-          <p:nvPr>
-            <p:ph type="body" idx="1"/>
-          </p:nvPr>
-        </p:nvSpPr>
-        <p:spPr/>
-        <p:txBody>
-          <a:bodyPr/>
-          <a:lstStyle/>
-          <a:p>
-            <a:endParaRPr lang="en-US" dirty="0"/>
-          </a:p>
-        </p:txBody>
-      </p:sp>
-      <p:sp>
-        <p:nvSpPr>
-          <p:cNvPr id="4" name="Slide Number Placeholder 3">
-            <a:extLst>
-              <a:ext uri="{FF2B5EF4-FFF2-40B4-BE49-F238E27FC236}">
-                <a16:creationId xmlns:a16="http://schemas.microsoft.com/office/drawing/2014/main" id="{A96EBC61-4289-4002-DD2E-F4F5324E6C12}"/>
-              </a:ext>
-            </a:extLst>
-          </p:cNvPr>
-          <p:cNvSpPr>
-            <a:spLocks noGrp="1"/>
-          </p:cNvSpPr>
-          <p:nvPr>
-            <p:ph type="sldNum" sz="quarter" idx="5"/>
-          </p:nvPr>
-        </p:nvSpPr>
-        <p:spPr/>
-        <p:txBody>
-          <a:bodyPr/>
-          <a:lstStyle/>
-          <a:p>
-            <a:fld id="{33BB6A29-BB64-4F42-B3C6-E3E76EA257EE}" type="slidenum">
-              <a:rPr lang="en-US" smtClean="0"/>
-              <a:t>11</a:t>
-            </a:fld>
-            <a:endParaRPr lang="en-US"/>
-          </a:p>
-        </p:txBody>
-      </p:sp>
-    </p:spTree>
-    <p:extLst>
-      <p:ext uri="{BB962C8B-B14F-4D97-AF65-F5344CB8AC3E}">
-        <p14:creationId xmlns:p14="http://schemas.microsoft.com/office/powerpoint/2010/main" val="2169931744"/>
       </p:ext>
     </p:extLst>
   </p:cSld>
@@ -1707,7 +1940,7 @@
           <a:p>
             <a:fld id="{5BF55880-368F-3B42-809F-E07DD75CE783}" type="datetimeFigureOut">
               <a:rPr lang="en-US" smtClean="0"/>
-              <a:t>2/2/25</a:t>
+              <a:t>6/8/25</a:t>
             </a:fld>
             <a:endParaRPr lang="en-US"/>
           </a:p>
@@ -1877,7 +2110,7 @@
           <a:p>
             <a:fld id="{5BF55880-368F-3B42-809F-E07DD75CE783}" type="datetimeFigureOut">
               <a:rPr lang="en-US" smtClean="0"/>
-              <a:t>2/2/25</a:t>
+              <a:t>6/8/25</a:t>
             </a:fld>
             <a:endParaRPr lang="en-US"/>
           </a:p>
@@ -2057,7 +2290,7 @@
           <a:p>
             <a:fld id="{5BF55880-368F-3B42-809F-E07DD75CE783}" type="datetimeFigureOut">
               <a:rPr lang="en-US" smtClean="0"/>
-              <a:t>2/2/25</a:t>
+              <a:t>6/8/25</a:t>
             </a:fld>
             <a:endParaRPr lang="en-US"/>
           </a:p>
@@ -2227,7 +2460,7 @@
           <a:p>
             <a:fld id="{5BF55880-368F-3B42-809F-E07DD75CE783}" type="datetimeFigureOut">
               <a:rPr lang="en-US" smtClean="0"/>
-              <a:t>2/2/25</a:t>
+              <a:t>6/8/25</a:t>
             </a:fld>
             <a:endParaRPr lang="en-US"/>
           </a:p>
@@ -2473,7 +2706,7 @@
           <a:p>
             <a:fld id="{5BF55880-368F-3B42-809F-E07DD75CE783}" type="datetimeFigureOut">
               <a:rPr lang="en-US" smtClean="0"/>
-              <a:t>2/2/25</a:t>
+              <a:t>6/8/25</a:t>
             </a:fld>
             <a:endParaRPr lang="en-US"/>
           </a:p>
@@ -2705,7 +2938,7 @@
           <a:p>
             <a:fld id="{5BF55880-368F-3B42-809F-E07DD75CE783}" type="datetimeFigureOut">
               <a:rPr lang="en-US" smtClean="0"/>
-              <a:t>2/2/25</a:t>
+              <a:t>6/8/25</a:t>
             </a:fld>
             <a:endParaRPr lang="en-US"/>
           </a:p>
@@ -3072,7 +3305,7 @@
           <a:p>
             <a:fld id="{5BF55880-368F-3B42-809F-E07DD75CE783}" type="datetimeFigureOut">
               <a:rPr lang="en-US" smtClean="0"/>
-              <a:t>2/2/25</a:t>
+              <a:t>6/8/25</a:t>
             </a:fld>
             <a:endParaRPr lang="en-US"/>
           </a:p>
@@ -3190,7 +3423,7 @@
           <a:p>
             <a:fld id="{5BF55880-368F-3B42-809F-E07DD75CE783}" type="datetimeFigureOut">
               <a:rPr lang="en-US" smtClean="0"/>
-              <a:t>2/2/25</a:t>
+              <a:t>6/8/25</a:t>
             </a:fld>
             <a:endParaRPr lang="en-US"/>
           </a:p>
@@ -3285,7 +3518,7 @@
           <a:p>
             <a:fld id="{5BF55880-368F-3B42-809F-E07DD75CE783}" type="datetimeFigureOut">
               <a:rPr lang="en-US" smtClean="0"/>
-              <a:t>2/2/25</a:t>
+              <a:t>6/8/25</a:t>
             </a:fld>
             <a:endParaRPr lang="en-US"/>
           </a:p>
@@ -3562,7 +3795,7 @@
           <a:p>
             <a:fld id="{5BF55880-368F-3B42-809F-E07DD75CE783}" type="datetimeFigureOut">
               <a:rPr lang="en-US" smtClean="0"/>
-              <a:t>2/2/25</a:t>
+              <a:t>6/8/25</a:t>
             </a:fld>
             <a:endParaRPr lang="en-US"/>
           </a:p>
@@ -3819,7 +4052,7 @@
           <a:p>
             <a:fld id="{5BF55880-368F-3B42-809F-E07DD75CE783}" type="datetimeFigureOut">
               <a:rPr lang="en-US" smtClean="0"/>
-              <a:t>2/2/25</a:t>
+              <a:t>6/8/25</a:t>
             </a:fld>
             <a:endParaRPr lang="en-US"/>
           </a:p>
@@ -4032,7 +4265,7 @@
           <a:p>
             <a:fld id="{5BF55880-368F-3B42-809F-E07DD75CE783}" type="datetimeFigureOut">
               <a:rPr lang="en-US" smtClean="0"/>
-              <a:t>2/2/25</a:t>
+              <a:t>6/8/25</a:t>
             </a:fld>
             <a:endParaRPr lang="en-US"/>
           </a:p>
@@ -4548,6 +4781,398 @@
         <p:cNvPr id="1" name="">
           <a:extLst>
             <a:ext uri="{FF2B5EF4-FFF2-40B4-BE49-F238E27FC236}">
+              <a16:creationId xmlns:a16="http://schemas.microsoft.com/office/drawing/2014/main" id="{865F823F-1498-8E2C-5931-E48BE760DDBF}"/>
+            </a:ext>
+          </a:extLst>
+        </p:cNvPr>
+        <p:cNvGrpSpPr/>
+        <p:nvPr/>
+      </p:nvGrpSpPr>
+      <p:grpSpPr>
+        <a:xfrm>
+          <a:off x="0" y="0"/>
+          <a:ext cx="0" cy="0"/>
+          <a:chOff x="0" y="0"/>
+          <a:chExt cx="0" cy="0"/>
+        </a:xfrm>
+      </p:grpSpPr>
+      <p:pic>
+        <p:nvPicPr>
+          <p:cNvPr id="9" name="Picture 8" descr="A close up of a staircase&#10;&#10;AI-generated content may be incorrect.">
+            <a:extLst>
+              <a:ext uri="{FF2B5EF4-FFF2-40B4-BE49-F238E27FC236}">
+                <a16:creationId xmlns:a16="http://schemas.microsoft.com/office/drawing/2014/main" id="{7A99DA78-53AD-5B78-2D59-C15810F51AFB}"/>
+              </a:ext>
+            </a:extLst>
+          </p:cNvPr>
+          <p:cNvPicPr>
+            <a:picLocks noChangeAspect="1"/>
+          </p:cNvPicPr>
+          <p:nvPr/>
+        </p:nvPicPr>
+        <p:blipFill>
+          <a:blip r:embed="rId3"/>
+          <a:srcRect l="4492" t="3294" r="4492" b="3655"/>
+          <a:stretch>
+            <a:fillRect/>
+          </a:stretch>
+        </p:blipFill>
+        <p:spPr>
+          <a:xfrm>
+            <a:off x="2905847" y="114485"/>
+            <a:ext cx="2372139" cy="3233531"/>
+          </a:xfrm>
+          <a:custGeom>
+            <a:avLst/>
+            <a:gdLst>
+              <a:gd name="connsiteX0" fmla="*/ 395364 w 2372139"/>
+              <a:gd name="connsiteY0" fmla="*/ 0 h 3233531"/>
+              <a:gd name="connsiteX1" fmla="*/ 1976775 w 2372139"/>
+              <a:gd name="connsiteY1" fmla="*/ 0 h 3233531"/>
+              <a:gd name="connsiteX2" fmla="*/ 2372139 w 2372139"/>
+              <a:gd name="connsiteY2" fmla="*/ 395364 h 3233531"/>
+              <a:gd name="connsiteX3" fmla="*/ 2372139 w 2372139"/>
+              <a:gd name="connsiteY3" fmla="*/ 2838167 h 3233531"/>
+              <a:gd name="connsiteX4" fmla="*/ 1976775 w 2372139"/>
+              <a:gd name="connsiteY4" fmla="*/ 3233531 h 3233531"/>
+              <a:gd name="connsiteX5" fmla="*/ 395364 w 2372139"/>
+              <a:gd name="connsiteY5" fmla="*/ 3233531 h 3233531"/>
+              <a:gd name="connsiteX6" fmla="*/ 0 w 2372139"/>
+              <a:gd name="connsiteY6" fmla="*/ 2838167 h 3233531"/>
+              <a:gd name="connsiteX7" fmla="*/ 0 w 2372139"/>
+              <a:gd name="connsiteY7" fmla="*/ 395364 h 3233531"/>
+              <a:gd name="connsiteX8" fmla="*/ 395364 w 2372139"/>
+              <a:gd name="connsiteY8" fmla="*/ 0 h 3233531"/>
+            </a:gdLst>
+            <a:ahLst/>
+            <a:cxnLst>
+              <a:cxn ang="0">
+                <a:pos x="connsiteX0" y="connsiteY0"/>
+              </a:cxn>
+              <a:cxn ang="0">
+                <a:pos x="connsiteX1" y="connsiteY1"/>
+              </a:cxn>
+              <a:cxn ang="0">
+                <a:pos x="connsiteX2" y="connsiteY2"/>
+              </a:cxn>
+              <a:cxn ang="0">
+                <a:pos x="connsiteX3" y="connsiteY3"/>
+              </a:cxn>
+              <a:cxn ang="0">
+                <a:pos x="connsiteX4" y="connsiteY4"/>
+              </a:cxn>
+              <a:cxn ang="0">
+                <a:pos x="connsiteX5" y="connsiteY5"/>
+              </a:cxn>
+              <a:cxn ang="0">
+                <a:pos x="connsiteX6" y="connsiteY6"/>
+              </a:cxn>
+              <a:cxn ang="0">
+                <a:pos x="connsiteX7" y="connsiteY7"/>
+              </a:cxn>
+              <a:cxn ang="0">
+                <a:pos x="connsiteX8" y="connsiteY8"/>
+              </a:cxn>
+            </a:cxnLst>
+            <a:rect l="l" t="t" r="r" b="b"/>
+            <a:pathLst>
+              <a:path w="2372139" h="3233531">
+                <a:moveTo>
+                  <a:pt x="395364" y="0"/>
+                </a:moveTo>
+                <a:lnTo>
+                  <a:pt x="1976775" y="0"/>
+                </a:lnTo>
+                <a:cubicBezTo>
+                  <a:pt x="2195129" y="0"/>
+                  <a:pt x="2372139" y="177010"/>
+                  <a:pt x="2372139" y="395364"/>
+                </a:cubicBezTo>
+                <a:lnTo>
+                  <a:pt x="2372139" y="2838167"/>
+                </a:lnTo>
+                <a:cubicBezTo>
+                  <a:pt x="2372139" y="3056521"/>
+                  <a:pt x="2195129" y="3233531"/>
+                  <a:pt x="1976775" y="3233531"/>
+                </a:cubicBezTo>
+                <a:lnTo>
+                  <a:pt x="395364" y="3233531"/>
+                </a:lnTo>
+                <a:cubicBezTo>
+                  <a:pt x="177010" y="3233531"/>
+                  <a:pt x="0" y="3056521"/>
+                  <a:pt x="0" y="2838167"/>
+                </a:cubicBezTo>
+                <a:lnTo>
+                  <a:pt x="0" y="395364"/>
+                </a:lnTo>
+                <a:cubicBezTo>
+                  <a:pt x="0" y="177010"/>
+                  <a:pt x="177010" y="0"/>
+                  <a:pt x="395364" y="0"/>
+                </a:cubicBezTo>
+                <a:close/>
+              </a:path>
+            </a:pathLst>
+          </a:custGeom>
+        </p:spPr>
+      </p:pic>
+      <p:pic>
+        <p:nvPicPr>
+          <p:cNvPr id="7" name="Picture 6" descr="A staircase with carpeted steps&#10;&#10;AI-generated content may be incorrect.">
+            <a:extLst>
+              <a:ext uri="{FF2B5EF4-FFF2-40B4-BE49-F238E27FC236}">
+                <a16:creationId xmlns:a16="http://schemas.microsoft.com/office/drawing/2014/main" id="{D1DD0D10-A984-3E2D-5DD4-2D0BBD0F1470}"/>
+              </a:ext>
+            </a:extLst>
+          </p:cNvPr>
+          <p:cNvPicPr>
+            <a:picLocks noChangeAspect="1"/>
+          </p:cNvPicPr>
+          <p:nvPr/>
+        </p:nvPicPr>
+        <p:blipFill>
+          <a:blip r:embed="rId4"/>
+          <a:srcRect l="4492" t="5122" r="4492" b="1828"/>
+          <a:stretch>
+            <a:fillRect/>
+          </a:stretch>
+        </p:blipFill>
+        <p:spPr>
+          <a:xfrm>
+            <a:off x="208416" y="114485"/>
+            <a:ext cx="2372139" cy="3233531"/>
+          </a:xfrm>
+          <a:custGeom>
+            <a:avLst/>
+            <a:gdLst>
+              <a:gd name="connsiteX0" fmla="*/ 395364 w 2372139"/>
+              <a:gd name="connsiteY0" fmla="*/ 0 h 3233531"/>
+              <a:gd name="connsiteX1" fmla="*/ 1976775 w 2372139"/>
+              <a:gd name="connsiteY1" fmla="*/ 0 h 3233531"/>
+              <a:gd name="connsiteX2" fmla="*/ 2372139 w 2372139"/>
+              <a:gd name="connsiteY2" fmla="*/ 395364 h 3233531"/>
+              <a:gd name="connsiteX3" fmla="*/ 2372139 w 2372139"/>
+              <a:gd name="connsiteY3" fmla="*/ 2838167 h 3233531"/>
+              <a:gd name="connsiteX4" fmla="*/ 1976775 w 2372139"/>
+              <a:gd name="connsiteY4" fmla="*/ 3233531 h 3233531"/>
+              <a:gd name="connsiteX5" fmla="*/ 395364 w 2372139"/>
+              <a:gd name="connsiteY5" fmla="*/ 3233531 h 3233531"/>
+              <a:gd name="connsiteX6" fmla="*/ 0 w 2372139"/>
+              <a:gd name="connsiteY6" fmla="*/ 2838167 h 3233531"/>
+              <a:gd name="connsiteX7" fmla="*/ 0 w 2372139"/>
+              <a:gd name="connsiteY7" fmla="*/ 395364 h 3233531"/>
+              <a:gd name="connsiteX8" fmla="*/ 395364 w 2372139"/>
+              <a:gd name="connsiteY8" fmla="*/ 0 h 3233531"/>
+            </a:gdLst>
+            <a:ahLst/>
+            <a:cxnLst>
+              <a:cxn ang="0">
+                <a:pos x="connsiteX0" y="connsiteY0"/>
+              </a:cxn>
+              <a:cxn ang="0">
+                <a:pos x="connsiteX1" y="connsiteY1"/>
+              </a:cxn>
+              <a:cxn ang="0">
+                <a:pos x="connsiteX2" y="connsiteY2"/>
+              </a:cxn>
+              <a:cxn ang="0">
+                <a:pos x="connsiteX3" y="connsiteY3"/>
+              </a:cxn>
+              <a:cxn ang="0">
+                <a:pos x="connsiteX4" y="connsiteY4"/>
+              </a:cxn>
+              <a:cxn ang="0">
+                <a:pos x="connsiteX5" y="connsiteY5"/>
+              </a:cxn>
+              <a:cxn ang="0">
+                <a:pos x="connsiteX6" y="connsiteY6"/>
+              </a:cxn>
+              <a:cxn ang="0">
+                <a:pos x="connsiteX7" y="connsiteY7"/>
+              </a:cxn>
+              <a:cxn ang="0">
+                <a:pos x="connsiteX8" y="connsiteY8"/>
+              </a:cxn>
+            </a:cxnLst>
+            <a:rect l="l" t="t" r="r" b="b"/>
+            <a:pathLst>
+              <a:path w="2372139" h="3233531">
+                <a:moveTo>
+                  <a:pt x="395364" y="0"/>
+                </a:moveTo>
+                <a:lnTo>
+                  <a:pt x="1976775" y="0"/>
+                </a:lnTo>
+                <a:cubicBezTo>
+                  <a:pt x="2195129" y="0"/>
+                  <a:pt x="2372139" y="177010"/>
+                  <a:pt x="2372139" y="395364"/>
+                </a:cubicBezTo>
+                <a:lnTo>
+                  <a:pt x="2372139" y="2838167"/>
+                </a:lnTo>
+                <a:cubicBezTo>
+                  <a:pt x="2372139" y="3056521"/>
+                  <a:pt x="2195129" y="3233531"/>
+                  <a:pt x="1976775" y="3233531"/>
+                </a:cubicBezTo>
+                <a:lnTo>
+                  <a:pt x="395364" y="3233531"/>
+                </a:lnTo>
+                <a:cubicBezTo>
+                  <a:pt x="177010" y="3233531"/>
+                  <a:pt x="0" y="3056521"/>
+                  <a:pt x="0" y="2838167"/>
+                </a:cubicBezTo>
+                <a:lnTo>
+                  <a:pt x="0" y="395364"/>
+                </a:lnTo>
+                <a:cubicBezTo>
+                  <a:pt x="0" y="177010"/>
+                  <a:pt x="177010" y="0"/>
+                  <a:pt x="395364" y="0"/>
+                </a:cubicBezTo>
+                <a:close/>
+              </a:path>
+            </a:pathLst>
+          </a:custGeom>
+        </p:spPr>
+      </p:pic>
+      <p:sp>
+        <p:nvSpPr>
+          <p:cNvPr id="23" name="Rounded Rectangle 22">
+            <a:extLst>
+              <a:ext uri="{FF2B5EF4-FFF2-40B4-BE49-F238E27FC236}">
+                <a16:creationId xmlns:a16="http://schemas.microsoft.com/office/drawing/2014/main" id="{B4E2342E-B041-7B37-1A73-A8EBE9F83023}"/>
+              </a:ext>
+            </a:extLst>
+          </p:cNvPr>
+          <p:cNvSpPr/>
+          <p:nvPr/>
+        </p:nvSpPr>
+        <p:spPr>
+          <a:xfrm>
+            <a:off x="2888974" y="114486"/>
+            <a:ext cx="2372139" cy="3233531"/>
+          </a:xfrm>
+          <a:prstGeom prst="roundRect">
+            <a:avLst/>
+          </a:prstGeom>
+          <a:solidFill>
+            <a:schemeClr val="accent1">
+              <a:alpha val="0"/>
+            </a:schemeClr>
+          </a:solidFill>
+          <a:ln w="50800">
+            <a:solidFill>
+              <a:schemeClr val="tx1"/>
+            </a:solidFill>
+          </a:ln>
+        </p:spPr>
+        <p:style>
+          <a:lnRef idx="2">
+            <a:schemeClr val="accent1">
+              <a:shade val="15000"/>
+            </a:schemeClr>
+          </a:lnRef>
+          <a:fillRef idx="1">
+            <a:schemeClr val="accent1"/>
+          </a:fillRef>
+          <a:effectRef idx="0">
+            <a:schemeClr val="accent1"/>
+          </a:effectRef>
+          <a:fontRef idx="minor">
+            <a:schemeClr val="lt1"/>
+          </a:fontRef>
+        </p:style>
+        <p:txBody>
+          <a:bodyPr rtlCol="0" anchor="ctr"/>
+          <a:lstStyle/>
+          <a:p>
+            <a:pPr algn="ctr"/>
+            <a:endParaRPr lang="en-US"/>
+          </a:p>
+        </p:txBody>
+      </p:sp>
+      <p:sp>
+        <p:nvSpPr>
+          <p:cNvPr id="12" name="Rounded Rectangle 11">
+            <a:extLst>
+              <a:ext uri="{FF2B5EF4-FFF2-40B4-BE49-F238E27FC236}">
+                <a16:creationId xmlns:a16="http://schemas.microsoft.com/office/drawing/2014/main" id="{37CD37B8-6421-9F42-3BF1-ABCA85F4A795}"/>
+              </a:ext>
+            </a:extLst>
+          </p:cNvPr>
+          <p:cNvSpPr/>
+          <p:nvPr/>
+        </p:nvSpPr>
+        <p:spPr>
+          <a:xfrm>
+            <a:off x="208416" y="114486"/>
+            <a:ext cx="2372139" cy="3233531"/>
+          </a:xfrm>
+          <a:prstGeom prst="roundRect">
+            <a:avLst/>
+          </a:prstGeom>
+          <a:solidFill>
+            <a:schemeClr val="accent1">
+              <a:alpha val="0"/>
+            </a:schemeClr>
+          </a:solidFill>
+          <a:ln w="50800">
+            <a:solidFill>
+              <a:schemeClr val="tx1"/>
+            </a:solidFill>
+          </a:ln>
+        </p:spPr>
+        <p:style>
+          <a:lnRef idx="2">
+            <a:schemeClr val="accent1">
+              <a:shade val="15000"/>
+            </a:schemeClr>
+          </a:lnRef>
+          <a:fillRef idx="1">
+            <a:schemeClr val="accent1"/>
+          </a:fillRef>
+          <a:effectRef idx="0">
+            <a:schemeClr val="accent1"/>
+          </a:effectRef>
+          <a:fontRef idx="minor">
+            <a:schemeClr val="lt1"/>
+          </a:fontRef>
+        </p:style>
+        <p:txBody>
+          <a:bodyPr rtlCol="0" anchor="ctr"/>
+          <a:lstStyle/>
+          <a:p>
+            <a:pPr algn="ctr"/>
+            <a:endParaRPr lang="en-US"/>
+          </a:p>
+        </p:txBody>
+      </p:sp>
+    </p:spTree>
+    <p:extLst>
+      <p:ext uri="{BB962C8B-B14F-4D97-AF65-F5344CB8AC3E}">
+        <p14:creationId xmlns:p14="http://schemas.microsoft.com/office/powerpoint/2010/main" val="1351787769"/>
+      </p:ext>
+    </p:extLst>
+  </p:cSld>
+  <p:clrMapOvr>
+    <a:masterClrMapping/>
+  </p:clrMapOvr>
+</p:sld>
+</file>
+
+<file path=ppt/slides/slide11.xml><?xml version="1.0" encoding="utf-8"?>
+<p:sld xmlns:a="http://schemas.openxmlformats.org/drawingml/2006/main" xmlns:r="http://schemas.openxmlformats.org/officeDocument/2006/relationships" xmlns:p="http://schemas.openxmlformats.org/presentationml/2006/main">
+  <p:cSld>
+    <p:spTree>
+      <p:nvGrpSpPr>
+        <p:cNvPr id="1" name="">
+          <a:extLst>
+            <a:ext uri="{FF2B5EF4-FFF2-40B4-BE49-F238E27FC236}">
               <a16:creationId xmlns:a16="http://schemas.microsoft.com/office/drawing/2014/main" id="{FFE9120D-7726-2E42-A5C3-CE18DB9433B1}"/>
             </a:ext>
           </a:extLst>
@@ -4932,7 +5557,7 @@
 </p:sld>
 </file>
 
-<file path=ppt/slides/slide11.xml><?xml version="1.0" encoding="utf-8"?>
+<file path=ppt/slides/slide12.xml><?xml version="1.0" encoding="utf-8"?>
 <p:sld xmlns:a="http://schemas.openxmlformats.org/drawingml/2006/main" xmlns:r="http://schemas.openxmlformats.org/officeDocument/2006/relationships" xmlns:p="http://schemas.openxmlformats.org/presentationml/2006/main">
   <p:cSld>
     <p:spTree>
@@ -5182,7 +5807,327 @@
 </p:sld>
 </file>
 
-<file path=ppt/slides/slide12.xml><?xml version="1.0" encoding="utf-8"?>
+<file path=ppt/slides/slide13.xml><?xml version="1.0" encoding="utf-8"?>
+<p:sld xmlns:a="http://schemas.openxmlformats.org/drawingml/2006/main" xmlns:r="http://schemas.openxmlformats.org/officeDocument/2006/relationships" xmlns:p="http://schemas.openxmlformats.org/presentationml/2006/main">
+  <p:cSld>
+    <p:spTree>
+      <p:nvGrpSpPr>
+        <p:cNvPr id="1" name="">
+          <a:extLst>
+            <a:ext uri="{FF2B5EF4-FFF2-40B4-BE49-F238E27FC236}">
+              <a16:creationId xmlns:a16="http://schemas.microsoft.com/office/drawing/2014/main" id="{187A2D99-6ADE-DCD7-AE3C-544D0B28EE84}"/>
+            </a:ext>
+          </a:extLst>
+        </p:cNvPr>
+        <p:cNvGrpSpPr/>
+        <p:nvPr/>
+      </p:nvGrpSpPr>
+      <p:grpSpPr>
+        <a:xfrm>
+          <a:off x="0" y="0"/>
+          <a:ext cx="0" cy="0"/>
+          <a:chOff x="0" y="0"/>
+          <a:chExt cx="0" cy="0"/>
+        </a:xfrm>
+      </p:grpSpPr>
+      <p:sp>
+        <p:nvSpPr>
+          <p:cNvPr id="6" name="Rectangle 5">
+            <a:extLst>
+              <a:ext uri="{FF2B5EF4-FFF2-40B4-BE49-F238E27FC236}">
+                <a16:creationId xmlns:a16="http://schemas.microsoft.com/office/drawing/2014/main" id="{AC25D09D-1FDA-A3D7-3FA7-D0F4BF0F856D}"/>
+              </a:ext>
+            </a:extLst>
+          </p:cNvPr>
+          <p:cNvSpPr/>
+          <p:nvPr/>
+        </p:nvSpPr>
+        <p:spPr>
+          <a:xfrm>
+            <a:off x="1907307" y="0"/>
+            <a:ext cx="3579093" cy="3475038"/>
+          </a:xfrm>
+          <a:prstGeom prst="rect">
+            <a:avLst/>
+          </a:prstGeom>
+          <a:solidFill>
+            <a:schemeClr val="accent4">
+              <a:lumMod val="60000"/>
+              <a:lumOff val="40000"/>
+              <a:alpha val="70000"/>
+            </a:schemeClr>
+          </a:solidFill>
+          <a:ln>
+            <a:solidFill>
+              <a:schemeClr val="accent4">
+                <a:lumMod val="60000"/>
+                <a:lumOff val="40000"/>
+                <a:alpha val="70000"/>
+              </a:schemeClr>
+            </a:solidFill>
+          </a:ln>
+        </p:spPr>
+        <p:style>
+          <a:lnRef idx="2">
+            <a:schemeClr val="accent1">
+              <a:shade val="15000"/>
+            </a:schemeClr>
+          </a:lnRef>
+          <a:fillRef idx="1">
+            <a:schemeClr val="accent1"/>
+          </a:fillRef>
+          <a:effectRef idx="0">
+            <a:schemeClr val="accent1"/>
+          </a:effectRef>
+          <a:fontRef idx="minor">
+            <a:schemeClr val="lt1"/>
+          </a:fontRef>
+        </p:style>
+        <p:txBody>
+          <a:bodyPr rtlCol="0" anchor="ctr"/>
+          <a:lstStyle/>
+          <a:p>
+            <a:pPr algn="ctr"/>
+            <a:endParaRPr lang="en-US"/>
+          </a:p>
+        </p:txBody>
+      </p:sp>
+      <p:sp>
+        <p:nvSpPr>
+          <p:cNvPr id="10" name="Rounded Rectangle 9">
+            <a:extLst>
+              <a:ext uri="{FF2B5EF4-FFF2-40B4-BE49-F238E27FC236}">
+                <a16:creationId xmlns:a16="http://schemas.microsoft.com/office/drawing/2014/main" id="{86D3C249-62D8-6F6E-FFC1-A3B24E4FB414}"/>
+              </a:ext>
+            </a:extLst>
+          </p:cNvPr>
+          <p:cNvSpPr/>
+          <p:nvPr/>
+        </p:nvSpPr>
+        <p:spPr>
+          <a:xfrm>
+            <a:off x="6071013" y="120755"/>
+            <a:ext cx="2372139" cy="3233531"/>
+          </a:xfrm>
+          <a:prstGeom prst="roundRect">
+            <a:avLst/>
+          </a:prstGeom>
+        </p:spPr>
+        <p:style>
+          <a:lnRef idx="2">
+            <a:schemeClr val="accent1">
+              <a:shade val="15000"/>
+            </a:schemeClr>
+          </a:lnRef>
+          <a:fillRef idx="1">
+            <a:schemeClr val="accent1"/>
+          </a:fillRef>
+          <a:effectRef idx="0">
+            <a:schemeClr val="accent1"/>
+          </a:effectRef>
+          <a:fontRef idx="minor">
+            <a:schemeClr val="lt1"/>
+          </a:fontRef>
+        </p:style>
+        <p:txBody>
+          <a:bodyPr rtlCol="0" anchor="ctr"/>
+          <a:lstStyle/>
+          <a:p>
+            <a:pPr algn="ctr"/>
+            <a:endParaRPr lang="en-US"/>
+          </a:p>
+        </p:txBody>
+      </p:sp>
+      <p:sp>
+        <p:nvSpPr>
+          <p:cNvPr id="14" name="Rounded Rectangle 13">
+            <a:extLst>
+              <a:ext uri="{FF2B5EF4-FFF2-40B4-BE49-F238E27FC236}">
+                <a16:creationId xmlns:a16="http://schemas.microsoft.com/office/drawing/2014/main" id="{397C26B9-D9CE-0263-A658-7E61E3D87EF2}"/>
+              </a:ext>
+            </a:extLst>
+          </p:cNvPr>
+          <p:cNvSpPr/>
+          <p:nvPr/>
+        </p:nvSpPr>
+        <p:spPr>
+          <a:xfrm>
+            <a:off x="6071013" y="-3436070"/>
+            <a:ext cx="2372139" cy="3233531"/>
+          </a:xfrm>
+          <a:prstGeom prst="roundRect">
+            <a:avLst/>
+          </a:prstGeom>
+          <a:solidFill>
+            <a:schemeClr val="accent1">
+              <a:alpha val="0"/>
+            </a:schemeClr>
+          </a:solidFill>
+          <a:ln w="50800">
+            <a:solidFill>
+              <a:schemeClr val="tx1"/>
+            </a:solidFill>
+          </a:ln>
+        </p:spPr>
+        <p:style>
+          <a:lnRef idx="2">
+            <a:schemeClr val="accent1">
+              <a:shade val="15000"/>
+            </a:schemeClr>
+          </a:lnRef>
+          <a:fillRef idx="1">
+            <a:schemeClr val="accent1"/>
+          </a:fillRef>
+          <a:effectRef idx="0">
+            <a:schemeClr val="accent1"/>
+          </a:effectRef>
+          <a:fontRef idx="minor">
+            <a:schemeClr val="lt1"/>
+          </a:fontRef>
+        </p:style>
+        <p:txBody>
+          <a:bodyPr rtlCol="0" anchor="ctr"/>
+          <a:lstStyle/>
+          <a:p>
+            <a:pPr algn="ctr"/>
+            <a:endParaRPr lang="en-US"/>
+          </a:p>
+        </p:txBody>
+      </p:sp>
+      <p:sp>
+        <p:nvSpPr>
+          <p:cNvPr id="2" name="Rectangle 1">
+            <a:extLst>
+              <a:ext uri="{FF2B5EF4-FFF2-40B4-BE49-F238E27FC236}">
+                <a16:creationId xmlns:a16="http://schemas.microsoft.com/office/drawing/2014/main" id="{49AD860F-0AA1-F767-C708-B0545220BC99}"/>
+              </a:ext>
+            </a:extLst>
+          </p:cNvPr>
+          <p:cNvSpPr/>
+          <p:nvPr/>
+        </p:nvSpPr>
+        <p:spPr>
+          <a:xfrm>
+            <a:off x="0" y="0"/>
+            <a:ext cx="1907309" cy="3475038"/>
+          </a:xfrm>
+          <a:prstGeom prst="rect">
+            <a:avLst/>
+          </a:prstGeom>
+          <a:solidFill>
+            <a:schemeClr val="accent4">
+              <a:lumMod val="20000"/>
+              <a:lumOff val="80000"/>
+            </a:schemeClr>
+          </a:solidFill>
+          <a:ln>
+            <a:solidFill>
+              <a:schemeClr val="accent4">
+                <a:lumMod val="20000"/>
+                <a:lumOff val="80000"/>
+              </a:schemeClr>
+            </a:solidFill>
+          </a:ln>
+        </p:spPr>
+        <p:style>
+          <a:lnRef idx="2">
+            <a:schemeClr val="accent1">
+              <a:shade val="15000"/>
+            </a:schemeClr>
+          </a:lnRef>
+          <a:fillRef idx="1">
+            <a:schemeClr val="accent1"/>
+          </a:fillRef>
+          <a:effectRef idx="0">
+            <a:schemeClr val="accent1"/>
+          </a:effectRef>
+          <a:fontRef idx="minor">
+            <a:schemeClr val="lt1"/>
+          </a:fontRef>
+        </p:style>
+        <p:txBody>
+          <a:bodyPr rtlCol="0" anchor="ctr"/>
+          <a:lstStyle/>
+          <a:p>
+            <a:pPr algn="ctr"/>
+            <a:endParaRPr lang="en-US"/>
+          </a:p>
+        </p:txBody>
+      </p:sp>
+      <p:sp>
+        <p:nvSpPr>
+          <p:cNvPr id="3" name="Right Triangle 2">
+            <a:extLst>
+              <a:ext uri="{FF2B5EF4-FFF2-40B4-BE49-F238E27FC236}">
+                <a16:creationId xmlns:a16="http://schemas.microsoft.com/office/drawing/2014/main" id="{06B89A3E-DD1E-BD95-E3E5-985685DF5DC5}"/>
+              </a:ext>
+            </a:extLst>
+          </p:cNvPr>
+          <p:cNvSpPr/>
+          <p:nvPr/>
+        </p:nvSpPr>
+        <p:spPr>
+          <a:xfrm rot="10800000" flipH="1">
+            <a:off x="1907308" y="0"/>
+            <a:ext cx="1488073" cy="3475038"/>
+          </a:xfrm>
+          <a:prstGeom prst="rtTriangle">
+            <a:avLst/>
+          </a:prstGeom>
+          <a:solidFill>
+            <a:schemeClr val="accent4">
+              <a:lumMod val="20000"/>
+              <a:lumOff val="80000"/>
+            </a:schemeClr>
+          </a:solidFill>
+          <a:ln>
+            <a:solidFill>
+              <a:schemeClr val="accent4">
+                <a:lumMod val="20000"/>
+                <a:lumOff val="80000"/>
+              </a:schemeClr>
+            </a:solidFill>
+          </a:ln>
+        </p:spPr>
+        <p:style>
+          <a:lnRef idx="2">
+            <a:schemeClr val="accent1">
+              <a:shade val="15000"/>
+            </a:schemeClr>
+          </a:lnRef>
+          <a:fillRef idx="1">
+            <a:schemeClr val="accent1"/>
+          </a:fillRef>
+          <a:effectRef idx="0">
+            <a:schemeClr val="accent1"/>
+          </a:effectRef>
+          <a:fontRef idx="minor">
+            <a:schemeClr val="lt1"/>
+          </a:fontRef>
+        </p:style>
+        <p:txBody>
+          <a:bodyPr rtlCol="0" anchor="ctr"/>
+          <a:lstStyle/>
+          <a:p>
+            <a:pPr algn="ctr"/>
+            <a:endParaRPr lang="en-US"/>
+          </a:p>
+        </p:txBody>
+      </p:sp>
+    </p:spTree>
+    <p:extLst>
+      <p:ext uri="{BB962C8B-B14F-4D97-AF65-F5344CB8AC3E}">
+        <p14:creationId xmlns:p14="http://schemas.microsoft.com/office/powerpoint/2010/main" val="3021511418"/>
+      </p:ext>
+    </p:extLst>
+  </p:cSld>
+  <p:clrMapOvr>
+    <a:masterClrMapping/>
+  </p:clrMapOvr>
+</p:sld>
+</file>
+
+<file path=ppt/slides/slide14.xml><?xml version="1.0" encoding="utf-8"?>
 <p:sld xmlns:a="http://schemas.openxmlformats.org/drawingml/2006/main" xmlns:r="http://schemas.openxmlformats.org/officeDocument/2006/relationships" xmlns:p="http://schemas.openxmlformats.org/presentationml/2006/main">
   <p:cSld>
     <p:spTree>
@@ -7524,6 +8469,342 @@
         <p:cNvPr id="1" name="">
           <a:extLst>
             <a:ext uri="{FF2B5EF4-FFF2-40B4-BE49-F238E27FC236}">
+              <a16:creationId xmlns:a16="http://schemas.microsoft.com/office/drawing/2014/main" id="{C957B0D2-D979-2703-D21F-5A96F53ECF1E}"/>
+            </a:ext>
+          </a:extLst>
+        </p:cNvPr>
+        <p:cNvGrpSpPr/>
+        <p:nvPr/>
+      </p:nvGrpSpPr>
+      <p:grpSpPr>
+        <a:xfrm>
+          <a:off x="0" y="0"/>
+          <a:ext cx="0" cy="0"/>
+          <a:chOff x="0" y="0"/>
+          <a:chExt cx="0" cy="0"/>
+        </a:xfrm>
+      </p:grpSpPr>
+      <p:pic>
+        <p:nvPicPr>
+          <p:cNvPr id="9" name="Picture 8" descr="A close-up of a concrete floor&#10;&#10;AI-generated content may be incorrect.">
+            <a:extLst>
+              <a:ext uri="{FF2B5EF4-FFF2-40B4-BE49-F238E27FC236}">
+                <a16:creationId xmlns:a16="http://schemas.microsoft.com/office/drawing/2014/main" id="{AFD49065-6F9D-DAA7-6136-934347AFCE89}"/>
+              </a:ext>
+            </a:extLst>
+          </p:cNvPr>
+          <p:cNvPicPr>
+            <a:picLocks noChangeAspect="1"/>
+          </p:cNvPicPr>
+          <p:nvPr/>
+        </p:nvPicPr>
+        <p:blipFill>
+          <a:blip r:embed="rId3"/>
+          <a:srcRect l="4492" t="3072" r="4492" b="3878"/>
+          <a:stretch>
+            <a:fillRect/>
+          </a:stretch>
+        </p:blipFill>
+        <p:spPr>
+          <a:xfrm>
+            <a:off x="216851" y="114486"/>
+            <a:ext cx="2372139" cy="3233531"/>
+          </a:xfrm>
+          <a:custGeom>
+            <a:avLst/>
+            <a:gdLst>
+              <a:gd name="connsiteX0" fmla="*/ 395364 w 2372139"/>
+              <a:gd name="connsiteY0" fmla="*/ 0 h 3233531"/>
+              <a:gd name="connsiteX1" fmla="*/ 1976775 w 2372139"/>
+              <a:gd name="connsiteY1" fmla="*/ 0 h 3233531"/>
+              <a:gd name="connsiteX2" fmla="*/ 2372139 w 2372139"/>
+              <a:gd name="connsiteY2" fmla="*/ 395364 h 3233531"/>
+              <a:gd name="connsiteX3" fmla="*/ 2372139 w 2372139"/>
+              <a:gd name="connsiteY3" fmla="*/ 2838167 h 3233531"/>
+              <a:gd name="connsiteX4" fmla="*/ 1976775 w 2372139"/>
+              <a:gd name="connsiteY4" fmla="*/ 3233531 h 3233531"/>
+              <a:gd name="connsiteX5" fmla="*/ 395364 w 2372139"/>
+              <a:gd name="connsiteY5" fmla="*/ 3233531 h 3233531"/>
+              <a:gd name="connsiteX6" fmla="*/ 0 w 2372139"/>
+              <a:gd name="connsiteY6" fmla="*/ 2838167 h 3233531"/>
+              <a:gd name="connsiteX7" fmla="*/ 0 w 2372139"/>
+              <a:gd name="connsiteY7" fmla="*/ 395364 h 3233531"/>
+              <a:gd name="connsiteX8" fmla="*/ 395364 w 2372139"/>
+              <a:gd name="connsiteY8" fmla="*/ 0 h 3233531"/>
+            </a:gdLst>
+            <a:ahLst/>
+            <a:cxnLst>
+              <a:cxn ang="0">
+                <a:pos x="connsiteX0" y="connsiteY0"/>
+              </a:cxn>
+              <a:cxn ang="0">
+                <a:pos x="connsiteX1" y="connsiteY1"/>
+              </a:cxn>
+              <a:cxn ang="0">
+                <a:pos x="connsiteX2" y="connsiteY2"/>
+              </a:cxn>
+              <a:cxn ang="0">
+                <a:pos x="connsiteX3" y="connsiteY3"/>
+              </a:cxn>
+              <a:cxn ang="0">
+                <a:pos x="connsiteX4" y="connsiteY4"/>
+              </a:cxn>
+              <a:cxn ang="0">
+                <a:pos x="connsiteX5" y="connsiteY5"/>
+              </a:cxn>
+              <a:cxn ang="0">
+                <a:pos x="connsiteX6" y="connsiteY6"/>
+              </a:cxn>
+              <a:cxn ang="0">
+                <a:pos x="connsiteX7" y="connsiteY7"/>
+              </a:cxn>
+              <a:cxn ang="0">
+                <a:pos x="connsiteX8" y="connsiteY8"/>
+              </a:cxn>
+            </a:cxnLst>
+            <a:rect l="l" t="t" r="r" b="b"/>
+            <a:pathLst>
+              <a:path w="2372139" h="3233531">
+                <a:moveTo>
+                  <a:pt x="395364" y="0"/>
+                </a:moveTo>
+                <a:lnTo>
+                  <a:pt x="1976775" y="0"/>
+                </a:lnTo>
+                <a:cubicBezTo>
+                  <a:pt x="2195129" y="0"/>
+                  <a:pt x="2372139" y="177010"/>
+                  <a:pt x="2372139" y="395364"/>
+                </a:cubicBezTo>
+                <a:lnTo>
+                  <a:pt x="2372139" y="2838167"/>
+                </a:lnTo>
+                <a:cubicBezTo>
+                  <a:pt x="2372139" y="3056521"/>
+                  <a:pt x="2195129" y="3233531"/>
+                  <a:pt x="1976775" y="3233531"/>
+                </a:cubicBezTo>
+                <a:lnTo>
+                  <a:pt x="395364" y="3233531"/>
+                </a:lnTo>
+                <a:cubicBezTo>
+                  <a:pt x="177010" y="3233531"/>
+                  <a:pt x="0" y="3056521"/>
+                  <a:pt x="0" y="2838167"/>
+                </a:cubicBezTo>
+                <a:lnTo>
+                  <a:pt x="0" y="395364"/>
+                </a:lnTo>
+                <a:cubicBezTo>
+                  <a:pt x="0" y="177010"/>
+                  <a:pt x="177010" y="0"/>
+                  <a:pt x="395364" y="0"/>
+                </a:cubicBezTo>
+                <a:close/>
+              </a:path>
+            </a:pathLst>
+          </a:custGeom>
+        </p:spPr>
+      </p:pic>
+      <p:pic>
+        <p:nvPicPr>
+          <p:cNvPr id="7" name="Picture 6" descr="A brown floor with a metal gate&#10;&#10;AI-generated content may be incorrect.">
+            <a:extLst>
+              <a:ext uri="{FF2B5EF4-FFF2-40B4-BE49-F238E27FC236}">
+                <a16:creationId xmlns:a16="http://schemas.microsoft.com/office/drawing/2014/main" id="{4D9EF899-9FF6-8287-12A4-AA2821E09687}"/>
+              </a:ext>
+            </a:extLst>
+          </p:cNvPr>
+          <p:cNvPicPr>
+            <a:picLocks noChangeAspect="1"/>
+          </p:cNvPicPr>
+          <p:nvPr/>
+        </p:nvPicPr>
+        <p:blipFill>
+          <a:blip r:embed="rId4"/>
+          <a:srcRect l="40753" t="3294" r="8050" b="3655"/>
+          <a:stretch>
+            <a:fillRect/>
+          </a:stretch>
+        </p:blipFill>
+        <p:spPr>
+          <a:xfrm>
+            <a:off x="2905845" y="114486"/>
+            <a:ext cx="2372139" cy="3233531"/>
+          </a:xfrm>
+          <a:custGeom>
+            <a:avLst/>
+            <a:gdLst>
+              <a:gd name="connsiteX0" fmla="*/ 395364 w 2372139"/>
+              <a:gd name="connsiteY0" fmla="*/ 0 h 3233531"/>
+              <a:gd name="connsiteX1" fmla="*/ 1976775 w 2372139"/>
+              <a:gd name="connsiteY1" fmla="*/ 0 h 3233531"/>
+              <a:gd name="connsiteX2" fmla="*/ 2372139 w 2372139"/>
+              <a:gd name="connsiteY2" fmla="*/ 395364 h 3233531"/>
+              <a:gd name="connsiteX3" fmla="*/ 2372139 w 2372139"/>
+              <a:gd name="connsiteY3" fmla="*/ 2838167 h 3233531"/>
+              <a:gd name="connsiteX4" fmla="*/ 1976775 w 2372139"/>
+              <a:gd name="connsiteY4" fmla="*/ 3233531 h 3233531"/>
+              <a:gd name="connsiteX5" fmla="*/ 395364 w 2372139"/>
+              <a:gd name="connsiteY5" fmla="*/ 3233531 h 3233531"/>
+              <a:gd name="connsiteX6" fmla="*/ 0 w 2372139"/>
+              <a:gd name="connsiteY6" fmla="*/ 2838167 h 3233531"/>
+              <a:gd name="connsiteX7" fmla="*/ 0 w 2372139"/>
+              <a:gd name="connsiteY7" fmla="*/ 395364 h 3233531"/>
+              <a:gd name="connsiteX8" fmla="*/ 395364 w 2372139"/>
+              <a:gd name="connsiteY8" fmla="*/ 0 h 3233531"/>
+            </a:gdLst>
+            <a:ahLst/>
+            <a:cxnLst>
+              <a:cxn ang="0">
+                <a:pos x="connsiteX0" y="connsiteY0"/>
+              </a:cxn>
+              <a:cxn ang="0">
+                <a:pos x="connsiteX1" y="connsiteY1"/>
+              </a:cxn>
+              <a:cxn ang="0">
+                <a:pos x="connsiteX2" y="connsiteY2"/>
+              </a:cxn>
+              <a:cxn ang="0">
+                <a:pos x="connsiteX3" y="connsiteY3"/>
+              </a:cxn>
+              <a:cxn ang="0">
+                <a:pos x="connsiteX4" y="connsiteY4"/>
+              </a:cxn>
+              <a:cxn ang="0">
+                <a:pos x="connsiteX5" y="connsiteY5"/>
+              </a:cxn>
+              <a:cxn ang="0">
+                <a:pos x="connsiteX6" y="connsiteY6"/>
+              </a:cxn>
+              <a:cxn ang="0">
+                <a:pos x="connsiteX7" y="connsiteY7"/>
+              </a:cxn>
+              <a:cxn ang="0">
+                <a:pos x="connsiteX8" y="connsiteY8"/>
+              </a:cxn>
+            </a:cxnLst>
+            <a:rect l="l" t="t" r="r" b="b"/>
+            <a:pathLst>
+              <a:path w="2372139" h="3233531">
+                <a:moveTo>
+                  <a:pt x="395364" y="0"/>
+                </a:moveTo>
+                <a:lnTo>
+                  <a:pt x="1976775" y="0"/>
+                </a:lnTo>
+                <a:cubicBezTo>
+                  <a:pt x="2195129" y="0"/>
+                  <a:pt x="2372139" y="177010"/>
+                  <a:pt x="2372139" y="395364"/>
+                </a:cubicBezTo>
+                <a:lnTo>
+                  <a:pt x="2372139" y="2838167"/>
+                </a:lnTo>
+                <a:cubicBezTo>
+                  <a:pt x="2372139" y="3056521"/>
+                  <a:pt x="2195129" y="3233531"/>
+                  <a:pt x="1976775" y="3233531"/>
+                </a:cubicBezTo>
+                <a:lnTo>
+                  <a:pt x="395364" y="3233531"/>
+                </a:lnTo>
+                <a:cubicBezTo>
+                  <a:pt x="177010" y="3233531"/>
+                  <a:pt x="0" y="3056521"/>
+                  <a:pt x="0" y="2838167"/>
+                </a:cubicBezTo>
+                <a:lnTo>
+                  <a:pt x="0" y="395364"/>
+                </a:lnTo>
+                <a:cubicBezTo>
+                  <a:pt x="0" y="177010"/>
+                  <a:pt x="177010" y="0"/>
+                  <a:pt x="395364" y="0"/>
+                </a:cubicBezTo>
+                <a:close/>
+              </a:path>
+            </a:pathLst>
+          </a:custGeom>
+        </p:spPr>
+      </p:pic>
+      <p:sp>
+        <p:nvSpPr>
+          <p:cNvPr id="12" name="Rounded Rectangle 11">
+            <a:extLst>
+              <a:ext uri="{FF2B5EF4-FFF2-40B4-BE49-F238E27FC236}">
+                <a16:creationId xmlns:a16="http://schemas.microsoft.com/office/drawing/2014/main" id="{532F0A12-8F04-2143-27AB-777E0E0154B8}"/>
+              </a:ext>
+            </a:extLst>
+          </p:cNvPr>
+          <p:cNvSpPr/>
+          <p:nvPr/>
+        </p:nvSpPr>
+        <p:spPr>
+          <a:xfrm>
+            <a:off x="208416" y="114486"/>
+            <a:ext cx="2372139" cy="3233531"/>
+          </a:xfrm>
+          <a:prstGeom prst="roundRect">
+            <a:avLst/>
+          </a:prstGeom>
+          <a:solidFill>
+            <a:schemeClr val="accent1">
+              <a:alpha val="0"/>
+            </a:schemeClr>
+          </a:solidFill>
+          <a:ln w="50800">
+            <a:solidFill>
+              <a:schemeClr val="tx1"/>
+            </a:solidFill>
+          </a:ln>
+        </p:spPr>
+        <p:style>
+          <a:lnRef idx="2">
+            <a:schemeClr val="accent1">
+              <a:shade val="15000"/>
+            </a:schemeClr>
+          </a:lnRef>
+          <a:fillRef idx="1">
+            <a:schemeClr val="accent1"/>
+          </a:fillRef>
+          <a:effectRef idx="0">
+            <a:schemeClr val="accent1"/>
+          </a:effectRef>
+          <a:fontRef idx="minor">
+            <a:schemeClr val="lt1"/>
+          </a:fontRef>
+        </p:style>
+        <p:txBody>
+          <a:bodyPr rtlCol="0" anchor="ctr"/>
+          <a:lstStyle/>
+          <a:p>
+            <a:pPr algn="ctr"/>
+            <a:endParaRPr lang="en-US"/>
+          </a:p>
+        </p:txBody>
+      </p:sp>
+    </p:spTree>
+    <p:extLst>
+      <p:ext uri="{BB962C8B-B14F-4D97-AF65-F5344CB8AC3E}">
+        <p14:creationId xmlns:p14="http://schemas.microsoft.com/office/powerpoint/2010/main" val="3240512838"/>
+      </p:ext>
+    </p:extLst>
+  </p:cSld>
+  <p:clrMapOvr>
+    <a:masterClrMapping/>
+  </p:clrMapOvr>
+</p:sld>
+</file>
+
+<file path=ppt/slides/slide9.xml><?xml version="1.0" encoding="utf-8"?>
+<p:sld xmlns:a="http://schemas.openxmlformats.org/drawingml/2006/main" xmlns:r="http://schemas.openxmlformats.org/officeDocument/2006/relationships" xmlns:p="http://schemas.openxmlformats.org/presentationml/2006/main">
+  <p:cSld>
+    <p:spTree>
+      <p:nvGrpSpPr>
+        <p:cNvPr id="1" name="">
+          <a:extLst>
+            <a:ext uri="{FF2B5EF4-FFF2-40B4-BE49-F238E27FC236}">
               <a16:creationId xmlns:a16="http://schemas.microsoft.com/office/drawing/2014/main" id="{E179351F-9C55-79FC-1D57-BBA61D3BD023}"/>
             </a:ext>
           </a:extLst>
@@ -7899,398 +9180,6 @@
     <p:extLst>
       <p:ext uri="{BB962C8B-B14F-4D97-AF65-F5344CB8AC3E}">
         <p14:creationId xmlns:p14="http://schemas.microsoft.com/office/powerpoint/2010/main" val="3786488419"/>
-      </p:ext>
-    </p:extLst>
-  </p:cSld>
-  <p:clrMapOvr>
-    <a:masterClrMapping/>
-  </p:clrMapOvr>
-</p:sld>
-</file>
-
-<file path=ppt/slides/slide9.xml><?xml version="1.0" encoding="utf-8"?>
-<p:sld xmlns:a="http://schemas.openxmlformats.org/drawingml/2006/main" xmlns:r="http://schemas.openxmlformats.org/officeDocument/2006/relationships" xmlns:p="http://schemas.openxmlformats.org/presentationml/2006/main">
-  <p:cSld>
-    <p:spTree>
-      <p:nvGrpSpPr>
-        <p:cNvPr id="1" name="">
-          <a:extLst>
-            <a:ext uri="{FF2B5EF4-FFF2-40B4-BE49-F238E27FC236}">
-              <a16:creationId xmlns:a16="http://schemas.microsoft.com/office/drawing/2014/main" id="{865F823F-1498-8E2C-5931-E48BE760DDBF}"/>
-            </a:ext>
-          </a:extLst>
-        </p:cNvPr>
-        <p:cNvGrpSpPr/>
-        <p:nvPr/>
-      </p:nvGrpSpPr>
-      <p:grpSpPr>
-        <a:xfrm>
-          <a:off x="0" y="0"/>
-          <a:ext cx="0" cy="0"/>
-          <a:chOff x="0" y="0"/>
-          <a:chExt cx="0" cy="0"/>
-        </a:xfrm>
-      </p:grpSpPr>
-      <p:pic>
-        <p:nvPicPr>
-          <p:cNvPr id="9" name="Picture 8" descr="A close up of a staircase&#10;&#10;AI-generated content may be incorrect.">
-            <a:extLst>
-              <a:ext uri="{FF2B5EF4-FFF2-40B4-BE49-F238E27FC236}">
-                <a16:creationId xmlns:a16="http://schemas.microsoft.com/office/drawing/2014/main" id="{7A99DA78-53AD-5B78-2D59-C15810F51AFB}"/>
-              </a:ext>
-            </a:extLst>
-          </p:cNvPr>
-          <p:cNvPicPr>
-            <a:picLocks noChangeAspect="1"/>
-          </p:cNvPicPr>
-          <p:nvPr/>
-        </p:nvPicPr>
-        <p:blipFill>
-          <a:blip r:embed="rId3"/>
-          <a:srcRect l="4492" t="3294" r="4492" b="3655"/>
-          <a:stretch>
-            <a:fillRect/>
-          </a:stretch>
-        </p:blipFill>
-        <p:spPr>
-          <a:xfrm>
-            <a:off x="2905847" y="114485"/>
-            <a:ext cx="2372139" cy="3233531"/>
-          </a:xfrm>
-          <a:custGeom>
-            <a:avLst/>
-            <a:gdLst>
-              <a:gd name="connsiteX0" fmla="*/ 395364 w 2372139"/>
-              <a:gd name="connsiteY0" fmla="*/ 0 h 3233531"/>
-              <a:gd name="connsiteX1" fmla="*/ 1976775 w 2372139"/>
-              <a:gd name="connsiteY1" fmla="*/ 0 h 3233531"/>
-              <a:gd name="connsiteX2" fmla="*/ 2372139 w 2372139"/>
-              <a:gd name="connsiteY2" fmla="*/ 395364 h 3233531"/>
-              <a:gd name="connsiteX3" fmla="*/ 2372139 w 2372139"/>
-              <a:gd name="connsiteY3" fmla="*/ 2838167 h 3233531"/>
-              <a:gd name="connsiteX4" fmla="*/ 1976775 w 2372139"/>
-              <a:gd name="connsiteY4" fmla="*/ 3233531 h 3233531"/>
-              <a:gd name="connsiteX5" fmla="*/ 395364 w 2372139"/>
-              <a:gd name="connsiteY5" fmla="*/ 3233531 h 3233531"/>
-              <a:gd name="connsiteX6" fmla="*/ 0 w 2372139"/>
-              <a:gd name="connsiteY6" fmla="*/ 2838167 h 3233531"/>
-              <a:gd name="connsiteX7" fmla="*/ 0 w 2372139"/>
-              <a:gd name="connsiteY7" fmla="*/ 395364 h 3233531"/>
-              <a:gd name="connsiteX8" fmla="*/ 395364 w 2372139"/>
-              <a:gd name="connsiteY8" fmla="*/ 0 h 3233531"/>
-            </a:gdLst>
-            <a:ahLst/>
-            <a:cxnLst>
-              <a:cxn ang="0">
-                <a:pos x="connsiteX0" y="connsiteY0"/>
-              </a:cxn>
-              <a:cxn ang="0">
-                <a:pos x="connsiteX1" y="connsiteY1"/>
-              </a:cxn>
-              <a:cxn ang="0">
-                <a:pos x="connsiteX2" y="connsiteY2"/>
-              </a:cxn>
-              <a:cxn ang="0">
-                <a:pos x="connsiteX3" y="connsiteY3"/>
-              </a:cxn>
-              <a:cxn ang="0">
-                <a:pos x="connsiteX4" y="connsiteY4"/>
-              </a:cxn>
-              <a:cxn ang="0">
-                <a:pos x="connsiteX5" y="connsiteY5"/>
-              </a:cxn>
-              <a:cxn ang="0">
-                <a:pos x="connsiteX6" y="connsiteY6"/>
-              </a:cxn>
-              <a:cxn ang="0">
-                <a:pos x="connsiteX7" y="connsiteY7"/>
-              </a:cxn>
-              <a:cxn ang="0">
-                <a:pos x="connsiteX8" y="connsiteY8"/>
-              </a:cxn>
-            </a:cxnLst>
-            <a:rect l="l" t="t" r="r" b="b"/>
-            <a:pathLst>
-              <a:path w="2372139" h="3233531">
-                <a:moveTo>
-                  <a:pt x="395364" y="0"/>
-                </a:moveTo>
-                <a:lnTo>
-                  <a:pt x="1976775" y="0"/>
-                </a:lnTo>
-                <a:cubicBezTo>
-                  <a:pt x="2195129" y="0"/>
-                  <a:pt x="2372139" y="177010"/>
-                  <a:pt x="2372139" y="395364"/>
-                </a:cubicBezTo>
-                <a:lnTo>
-                  <a:pt x="2372139" y="2838167"/>
-                </a:lnTo>
-                <a:cubicBezTo>
-                  <a:pt x="2372139" y="3056521"/>
-                  <a:pt x="2195129" y="3233531"/>
-                  <a:pt x="1976775" y="3233531"/>
-                </a:cubicBezTo>
-                <a:lnTo>
-                  <a:pt x="395364" y="3233531"/>
-                </a:lnTo>
-                <a:cubicBezTo>
-                  <a:pt x="177010" y="3233531"/>
-                  <a:pt x="0" y="3056521"/>
-                  <a:pt x="0" y="2838167"/>
-                </a:cubicBezTo>
-                <a:lnTo>
-                  <a:pt x="0" y="395364"/>
-                </a:lnTo>
-                <a:cubicBezTo>
-                  <a:pt x="0" y="177010"/>
-                  <a:pt x="177010" y="0"/>
-                  <a:pt x="395364" y="0"/>
-                </a:cubicBezTo>
-                <a:close/>
-              </a:path>
-            </a:pathLst>
-          </a:custGeom>
-        </p:spPr>
-      </p:pic>
-      <p:pic>
-        <p:nvPicPr>
-          <p:cNvPr id="7" name="Picture 6" descr="A staircase with carpeted steps&#10;&#10;AI-generated content may be incorrect.">
-            <a:extLst>
-              <a:ext uri="{FF2B5EF4-FFF2-40B4-BE49-F238E27FC236}">
-                <a16:creationId xmlns:a16="http://schemas.microsoft.com/office/drawing/2014/main" id="{D1DD0D10-A984-3E2D-5DD4-2D0BBD0F1470}"/>
-              </a:ext>
-            </a:extLst>
-          </p:cNvPr>
-          <p:cNvPicPr>
-            <a:picLocks noChangeAspect="1"/>
-          </p:cNvPicPr>
-          <p:nvPr/>
-        </p:nvPicPr>
-        <p:blipFill>
-          <a:blip r:embed="rId4"/>
-          <a:srcRect l="4492" t="5122" r="4492" b="1828"/>
-          <a:stretch>
-            <a:fillRect/>
-          </a:stretch>
-        </p:blipFill>
-        <p:spPr>
-          <a:xfrm>
-            <a:off x="208416" y="114485"/>
-            <a:ext cx="2372139" cy="3233531"/>
-          </a:xfrm>
-          <a:custGeom>
-            <a:avLst/>
-            <a:gdLst>
-              <a:gd name="connsiteX0" fmla="*/ 395364 w 2372139"/>
-              <a:gd name="connsiteY0" fmla="*/ 0 h 3233531"/>
-              <a:gd name="connsiteX1" fmla="*/ 1976775 w 2372139"/>
-              <a:gd name="connsiteY1" fmla="*/ 0 h 3233531"/>
-              <a:gd name="connsiteX2" fmla="*/ 2372139 w 2372139"/>
-              <a:gd name="connsiteY2" fmla="*/ 395364 h 3233531"/>
-              <a:gd name="connsiteX3" fmla="*/ 2372139 w 2372139"/>
-              <a:gd name="connsiteY3" fmla="*/ 2838167 h 3233531"/>
-              <a:gd name="connsiteX4" fmla="*/ 1976775 w 2372139"/>
-              <a:gd name="connsiteY4" fmla="*/ 3233531 h 3233531"/>
-              <a:gd name="connsiteX5" fmla="*/ 395364 w 2372139"/>
-              <a:gd name="connsiteY5" fmla="*/ 3233531 h 3233531"/>
-              <a:gd name="connsiteX6" fmla="*/ 0 w 2372139"/>
-              <a:gd name="connsiteY6" fmla="*/ 2838167 h 3233531"/>
-              <a:gd name="connsiteX7" fmla="*/ 0 w 2372139"/>
-              <a:gd name="connsiteY7" fmla="*/ 395364 h 3233531"/>
-              <a:gd name="connsiteX8" fmla="*/ 395364 w 2372139"/>
-              <a:gd name="connsiteY8" fmla="*/ 0 h 3233531"/>
-            </a:gdLst>
-            <a:ahLst/>
-            <a:cxnLst>
-              <a:cxn ang="0">
-                <a:pos x="connsiteX0" y="connsiteY0"/>
-              </a:cxn>
-              <a:cxn ang="0">
-                <a:pos x="connsiteX1" y="connsiteY1"/>
-              </a:cxn>
-              <a:cxn ang="0">
-                <a:pos x="connsiteX2" y="connsiteY2"/>
-              </a:cxn>
-              <a:cxn ang="0">
-                <a:pos x="connsiteX3" y="connsiteY3"/>
-              </a:cxn>
-              <a:cxn ang="0">
-                <a:pos x="connsiteX4" y="connsiteY4"/>
-              </a:cxn>
-              <a:cxn ang="0">
-                <a:pos x="connsiteX5" y="connsiteY5"/>
-              </a:cxn>
-              <a:cxn ang="0">
-                <a:pos x="connsiteX6" y="connsiteY6"/>
-              </a:cxn>
-              <a:cxn ang="0">
-                <a:pos x="connsiteX7" y="connsiteY7"/>
-              </a:cxn>
-              <a:cxn ang="0">
-                <a:pos x="connsiteX8" y="connsiteY8"/>
-              </a:cxn>
-            </a:cxnLst>
-            <a:rect l="l" t="t" r="r" b="b"/>
-            <a:pathLst>
-              <a:path w="2372139" h="3233531">
-                <a:moveTo>
-                  <a:pt x="395364" y="0"/>
-                </a:moveTo>
-                <a:lnTo>
-                  <a:pt x="1976775" y="0"/>
-                </a:lnTo>
-                <a:cubicBezTo>
-                  <a:pt x="2195129" y="0"/>
-                  <a:pt x="2372139" y="177010"/>
-                  <a:pt x="2372139" y="395364"/>
-                </a:cubicBezTo>
-                <a:lnTo>
-                  <a:pt x="2372139" y="2838167"/>
-                </a:lnTo>
-                <a:cubicBezTo>
-                  <a:pt x="2372139" y="3056521"/>
-                  <a:pt x="2195129" y="3233531"/>
-                  <a:pt x="1976775" y="3233531"/>
-                </a:cubicBezTo>
-                <a:lnTo>
-                  <a:pt x="395364" y="3233531"/>
-                </a:lnTo>
-                <a:cubicBezTo>
-                  <a:pt x="177010" y="3233531"/>
-                  <a:pt x="0" y="3056521"/>
-                  <a:pt x="0" y="2838167"/>
-                </a:cubicBezTo>
-                <a:lnTo>
-                  <a:pt x="0" y="395364"/>
-                </a:lnTo>
-                <a:cubicBezTo>
-                  <a:pt x="0" y="177010"/>
-                  <a:pt x="177010" y="0"/>
-                  <a:pt x="395364" y="0"/>
-                </a:cubicBezTo>
-                <a:close/>
-              </a:path>
-            </a:pathLst>
-          </a:custGeom>
-        </p:spPr>
-      </p:pic>
-      <p:sp>
-        <p:nvSpPr>
-          <p:cNvPr id="23" name="Rounded Rectangle 22">
-            <a:extLst>
-              <a:ext uri="{FF2B5EF4-FFF2-40B4-BE49-F238E27FC236}">
-                <a16:creationId xmlns:a16="http://schemas.microsoft.com/office/drawing/2014/main" id="{B4E2342E-B041-7B37-1A73-A8EBE9F83023}"/>
-              </a:ext>
-            </a:extLst>
-          </p:cNvPr>
-          <p:cNvSpPr/>
-          <p:nvPr/>
-        </p:nvSpPr>
-        <p:spPr>
-          <a:xfrm>
-            <a:off x="2888974" y="114486"/>
-            <a:ext cx="2372139" cy="3233531"/>
-          </a:xfrm>
-          <a:prstGeom prst="roundRect">
-            <a:avLst/>
-          </a:prstGeom>
-          <a:solidFill>
-            <a:schemeClr val="accent1">
-              <a:alpha val="0"/>
-            </a:schemeClr>
-          </a:solidFill>
-          <a:ln w="50800">
-            <a:solidFill>
-              <a:schemeClr val="tx1"/>
-            </a:solidFill>
-          </a:ln>
-        </p:spPr>
-        <p:style>
-          <a:lnRef idx="2">
-            <a:schemeClr val="accent1">
-              <a:shade val="15000"/>
-            </a:schemeClr>
-          </a:lnRef>
-          <a:fillRef idx="1">
-            <a:schemeClr val="accent1"/>
-          </a:fillRef>
-          <a:effectRef idx="0">
-            <a:schemeClr val="accent1"/>
-          </a:effectRef>
-          <a:fontRef idx="minor">
-            <a:schemeClr val="lt1"/>
-          </a:fontRef>
-        </p:style>
-        <p:txBody>
-          <a:bodyPr rtlCol="0" anchor="ctr"/>
-          <a:lstStyle/>
-          <a:p>
-            <a:pPr algn="ctr"/>
-            <a:endParaRPr lang="en-US"/>
-          </a:p>
-        </p:txBody>
-      </p:sp>
-      <p:sp>
-        <p:nvSpPr>
-          <p:cNvPr id="12" name="Rounded Rectangle 11">
-            <a:extLst>
-              <a:ext uri="{FF2B5EF4-FFF2-40B4-BE49-F238E27FC236}">
-                <a16:creationId xmlns:a16="http://schemas.microsoft.com/office/drawing/2014/main" id="{37CD37B8-6421-9F42-3BF1-ABCA85F4A795}"/>
-              </a:ext>
-            </a:extLst>
-          </p:cNvPr>
-          <p:cNvSpPr/>
-          <p:nvPr/>
-        </p:nvSpPr>
-        <p:spPr>
-          <a:xfrm>
-            <a:off x="208416" y="114486"/>
-            <a:ext cx="2372139" cy="3233531"/>
-          </a:xfrm>
-          <a:prstGeom prst="roundRect">
-            <a:avLst/>
-          </a:prstGeom>
-          <a:solidFill>
-            <a:schemeClr val="accent1">
-              <a:alpha val="0"/>
-            </a:schemeClr>
-          </a:solidFill>
-          <a:ln w="50800">
-            <a:solidFill>
-              <a:schemeClr val="tx1"/>
-            </a:solidFill>
-          </a:ln>
-        </p:spPr>
-        <p:style>
-          <a:lnRef idx="2">
-            <a:schemeClr val="accent1">
-              <a:shade val="15000"/>
-            </a:schemeClr>
-          </a:lnRef>
-          <a:fillRef idx="1">
-            <a:schemeClr val="accent1"/>
-          </a:fillRef>
-          <a:effectRef idx="0">
-            <a:schemeClr val="accent1"/>
-          </a:effectRef>
-          <a:fontRef idx="minor">
-            <a:schemeClr val="lt1"/>
-          </a:fontRef>
-        </p:style>
-        <p:txBody>
-          <a:bodyPr rtlCol="0" anchor="ctr"/>
-          <a:lstStyle/>
-          <a:p>
-            <a:pPr algn="ctr"/>
-            <a:endParaRPr lang="en-US"/>
-          </a:p>
-        </p:txBody>
-      </p:sp>
-    </p:spTree>
-    <p:extLst>
-      <p:ext uri="{BB962C8B-B14F-4D97-AF65-F5344CB8AC3E}">
-        <p14:creationId xmlns:p14="http://schemas.microsoft.com/office/powerpoint/2010/main" val="1351787769"/>
       </p:ext>
     </p:extLst>
   </p:cSld>
